--- a/instructor/context-engineering-mcp.pptx
+++ b/instructor/context-engineering-mcp.pptx
@@ -5,50 +5,50 @@
     <p:sldMasterId id="2147483648" r:id="rId1"/>
   </p:sldMasterIdLst>
   <p:sldIdLst>
-    <p:sldId id="256" r:id="rId7"/>
-    <p:sldId id="257" r:id="rId8"/>
-    <p:sldId id="258" r:id="rId9"/>
-    <p:sldId id="259" r:id="rId10"/>
-    <p:sldId id="260" r:id="rId11"/>
-    <p:sldId id="261" r:id="rId12"/>
-    <p:sldId id="262" r:id="rId13"/>
-    <p:sldId id="263" r:id="rId14"/>
-    <p:sldId id="264" r:id="rId15"/>
-    <p:sldId id="265" r:id="rId16"/>
-    <p:sldId id="266" r:id="rId17"/>
-    <p:sldId id="267" r:id="rId18"/>
-    <p:sldId id="268" r:id="rId19"/>
-    <p:sldId id="269" r:id="rId20"/>
-    <p:sldId id="270" r:id="rId21"/>
-    <p:sldId id="271" r:id="rId22"/>
-    <p:sldId id="272" r:id="rId23"/>
-    <p:sldId id="273" r:id="rId24"/>
-    <p:sldId id="274" r:id="rId25"/>
-    <p:sldId id="275" r:id="rId26"/>
-    <p:sldId id="276" r:id="rId27"/>
-    <p:sldId id="277" r:id="rId28"/>
-    <p:sldId id="278" r:id="rId29"/>
-    <p:sldId id="279" r:id="rId30"/>
-    <p:sldId id="280" r:id="rId31"/>
-    <p:sldId id="281" r:id="rId32"/>
-    <p:sldId id="282" r:id="rId33"/>
-    <p:sldId id="283" r:id="rId34"/>
-    <p:sldId id="284" r:id="rId35"/>
-    <p:sldId id="285" r:id="rId36"/>
-    <p:sldId id="286" r:id="rId37"/>
-    <p:sldId id="287" r:id="rId38"/>
-    <p:sldId id="288" r:id="rId39"/>
-    <p:sldId id="289" r:id="rId40"/>
-    <p:sldId id="290" r:id="rId41"/>
-    <p:sldId id="291" r:id="rId42"/>
-    <p:sldId id="292" r:id="rId43"/>
-    <p:sldId id="293" r:id="rId44"/>
-    <p:sldId id="294" r:id="rId45"/>
-    <p:sldId id="295" r:id="rId46"/>
-    <p:sldId id="296" r:id="rId47"/>
-    <p:sldId id="297" r:id="rId48"/>
+    <p:sldId id="256" r:id="rId2"/>
+    <p:sldId id="257" r:id="rId3"/>
+    <p:sldId id="258" r:id="rId4"/>
+    <p:sldId id="259" r:id="rId5"/>
+    <p:sldId id="260" r:id="rId6"/>
+    <p:sldId id="261" r:id="rId7"/>
+    <p:sldId id="262" r:id="rId8"/>
+    <p:sldId id="263" r:id="rId9"/>
+    <p:sldId id="264" r:id="rId10"/>
+    <p:sldId id="265" r:id="rId11"/>
+    <p:sldId id="266" r:id="rId12"/>
+    <p:sldId id="267" r:id="rId13"/>
+    <p:sldId id="268" r:id="rId14"/>
+    <p:sldId id="269" r:id="rId15"/>
+    <p:sldId id="270" r:id="rId16"/>
+    <p:sldId id="271" r:id="rId17"/>
+    <p:sldId id="272" r:id="rId18"/>
+    <p:sldId id="273" r:id="rId19"/>
+    <p:sldId id="274" r:id="rId20"/>
+    <p:sldId id="275" r:id="rId21"/>
+    <p:sldId id="276" r:id="rId22"/>
+    <p:sldId id="277" r:id="rId23"/>
+    <p:sldId id="278" r:id="rId24"/>
+    <p:sldId id="279" r:id="rId25"/>
+    <p:sldId id="280" r:id="rId26"/>
+    <p:sldId id="281" r:id="rId27"/>
+    <p:sldId id="282" r:id="rId28"/>
+    <p:sldId id="283" r:id="rId29"/>
+    <p:sldId id="284" r:id="rId30"/>
+    <p:sldId id="285" r:id="rId31"/>
+    <p:sldId id="286" r:id="rId32"/>
+    <p:sldId id="287" r:id="rId33"/>
+    <p:sldId id="288" r:id="rId34"/>
+    <p:sldId id="289" r:id="rId35"/>
+    <p:sldId id="290" r:id="rId36"/>
+    <p:sldId id="291" r:id="rId37"/>
+    <p:sldId id="292" r:id="rId38"/>
+    <p:sldId id="293" r:id="rId39"/>
+    <p:sldId id="294" r:id="rId40"/>
+    <p:sldId id="295" r:id="rId41"/>
+    <p:sldId id="296" r:id="rId42"/>
+    <p:sldId id="297" r:id="rId43"/>
   </p:sldIdLst>
-  <p:sldSz cx="9144000" cy="5143500" type="screen4x3"/>
+  <p:sldSz cx="9144000" cy="5143500" type="screen16x9"/>
   <p:notesSz cx="6858000" cy="9144000"/>
   <p:defaultTextStyle>
     <a:defPPr>
@@ -145,6 +145,22 @@
       </a:defRPr>
     </a:lvl9pPr>
   </p:defaultTextStyle>
+  <p:extLst>
+    <p:ext uri="{EFAFB233-063F-42B5-8137-9DF3F51BA10A}">
+      <p15:sldGuideLst xmlns:p15="http://schemas.microsoft.com/office/powerpoint/2012/main">
+        <p15:guide id="1" orient="horz" pos="2160">
+          <p15:clr>
+            <a:srgbClr val="A4A3A4"/>
+          </p15:clr>
+        </p15:guide>
+        <p15:guide id="2" pos="2880">
+          <p15:clr>
+            <a:srgbClr val="A4A3A4"/>
+          </p15:clr>
+        </p15:guide>
+      </p15:sldGuideLst>
+    </p:ext>
+  </p:extLst>
 </p:presentation>
 </file>
 
@@ -186,10 +202,9 @@
           <a:lstStyle/>
           <a:p>
             <a:r>
-              <a:rPr lang="en-US" smtClean="0"/>
+              <a:rPr lang="en-US"/>
               <a:t>Click to edit Master title style</a:t>
             </a:r>
-            <a:endParaRPr lang="en-US"/>
           </a:p>
         </p:txBody>
       </p:sp>
@@ -305,10 +320,9 @@
           </a:lstStyle>
           <a:p>
             <a:r>
-              <a:rPr lang="en-US" smtClean="0"/>
+              <a:rPr lang="en-US"/>
               <a:t>Click to edit Master subtitle style</a:t>
             </a:r>
-            <a:endParaRPr lang="en-US"/>
           </a:p>
         </p:txBody>
       </p:sp>
@@ -329,7 +343,7 @@
           <a:p>
             <a:fld id="{5BCAD085-E8A6-8845-BD4E-CB4CCA059FC4}" type="datetimeFigureOut">
               <a:rPr lang="en-US" smtClean="0"/>
-              <a:t>1/27/13</a:t>
+              <a:t>Tue, 1/27/2026</a:t>
             </a:fld>
             <a:endParaRPr lang="en-US"/>
           </a:p>
@@ -423,10 +437,9 @@
           <a:lstStyle/>
           <a:p>
             <a:r>
-              <a:rPr lang="en-US" smtClean="0"/>
+              <a:rPr lang="en-US"/>
               <a:t>Click to edit Master title style</a:t>
             </a:r>
-            <a:endParaRPr lang="en-US"/>
           </a:p>
         </p:txBody>
       </p:sp>
@@ -447,38 +460,37 @@
           <a:p>
             <a:pPr lvl="0"/>
             <a:r>
-              <a:rPr lang="en-US" smtClean="0"/>
+              <a:rPr lang="en-US"/>
               <a:t>Click to edit Master text styles</a:t>
             </a:r>
           </a:p>
           <a:p>
             <a:pPr lvl="1"/>
             <a:r>
-              <a:rPr lang="en-US" smtClean="0"/>
+              <a:rPr lang="en-US"/>
               <a:t>Second level</a:t>
             </a:r>
           </a:p>
           <a:p>
             <a:pPr lvl="2"/>
             <a:r>
-              <a:rPr lang="en-US" smtClean="0"/>
+              <a:rPr lang="en-US"/>
               <a:t>Third level</a:t>
             </a:r>
           </a:p>
           <a:p>
             <a:pPr lvl="3"/>
             <a:r>
-              <a:rPr lang="en-US" smtClean="0"/>
+              <a:rPr lang="en-US"/>
               <a:t>Fourth level</a:t>
             </a:r>
           </a:p>
           <a:p>
             <a:pPr lvl="4"/>
             <a:r>
-              <a:rPr lang="en-US" smtClean="0"/>
+              <a:rPr lang="en-US"/>
               <a:t>Fifth level</a:t>
             </a:r>
-            <a:endParaRPr lang="en-US"/>
           </a:p>
         </p:txBody>
       </p:sp>
@@ -499,7 +511,7 @@
           <a:p>
             <a:fld id="{5BCAD085-E8A6-8845-BD4E-CB4CCA059FC4}" type="datetimeFigureOut">
               <a:rPr lang="en-US" smtClean="0"/>
-              <a:t>1/27/13</a:t>
+              <a:t>Tue, 1/27/2026</a:t>
             </a:fld>
             <a:endParaRPr lang="en-US"/>
           </a:p>
@@ -598,10 +610,9 @@
           <a:lstStyle/>
           <a:p>
             <a:r>
-              <a:rPr lang="en-US" smtClean="0"/>
+              <a:rPr lang="en-US"/>
               <a:t>Click to edit Master title style</a:t>
             </a:r>
-            <a:endParaRPr lang="en-US"/>
           </a:p>
         </p:txBody>
       </p:sp>
@@ -627,38 +638,37 @@
           <a:p>
             <a:pPr lvl="0"/>
             <a:r>
-              <a:rPr lang="en-US" smtClean="0"/>
+              <a:rPr lang="en-US"/>
               <a:t>Click to edit Master text styles</a:t>
             </a:r>
           </a:p>
           <a:p>
             <a:pPr lvl="1"/>
             <a:r>
-              <a:rPr lang="en-US" smtClean="0"/>
+              <a:rPr lang="en-US"/>
               <a:t>Second level</a:t>
             </a:r>
           </a:p>
           <a:p>
             <a:pPr lvl="2"/>
             <a:r>
-              <a:rPr lang="en-US" smtClean="0"/>
+              <a:rPr lang="en-US"/>
               <a:t>Third level</a:t>
             </a:r>
           </a:p>
           <a:p>
             <a:pPr lvl="3"/>
             <a:r>
-              <a:rPr lang="en-US" smtClean="0"/>
+              <a:rPr lang="en-US"/>
               <a:t>Fourth level</a:t>
             </a:r>
           </a:p>
           <a:p>
             <a:pPr lvl="4"/>
             <a:r>
-              <a:rPr lang="en-US" smtClean="0"/>
+              <a:rPr lang="en-US"/>
               <a:t>Fifth level</a:t>
             </a:r>
-            <a:endParaRPr lang="en-US"/>
           </a:p>
         </p:txBody>
       </p:sp>
@@ -679,7 +689,7 @@
           <a:p>
             <a:fld id="{5BCAD085-E8A6-8845-BD4E-CB4CCA059FC4}" type="datetimeFigureOut">
               <a:rPr lang="en-US" smtClean="0"/>
-              <a:t>1/27/13</a:t>
+              <a:t>Tue, 1/27/2026</a:t>
             </a:fld>
             <a:endParaRPr lang="en-US"/>
           </a:p>
@@ -773,10 +783,9 @@
           <a:lstStyle/>
           <a:p>
             <a:r>
-              <a:rPr lang="en-US" smtClean="0"/>
+              <a:rPr lang="en-US"/>
               <a:t>Click to edit Master title style</a:t>
             </a:r>
-            <a:endParaRPr lang="en-US"/>
           </a:p>
         </p:txBody>
       </p:sp>
@@ -797,38 +806,37 @@
           <a:p>
             <a:pPr lvl="0"/>
             <a:r>
-              <a:rPr lang="en-US" smtClean="0"/>
+              <a:rPr lang="en-US"/>
               <a:t>Click to edit Master text styles</a:t>
             </a:r>
           </a:p>
           <a:p>
             <a:pPr lvl="1"/>
             <a:r>
-              <a:rPr lang="en-US" smtClean="0"/>
+              <a:rPr lang="en-US"/>
               <a:t>Second level</a:t>
             </a:r>
           </a:p>
           <a:p>
             <a:pPr lvl="2"/>
             <a:r>
-              <a:rPr lang="en-US" smtClean="0"/>
+              <a:rPr lang="en-US"/>
               <a:t>Third level</a:t>
             </a:r>
           </a:p>
           <a:p>
             <a:pPr lvl="3"/>
             <a:r>
-              <a:rPr lang="en-US" smtClean="0"/>
+              <a:rPr lang="en-US"/>
               <a:t>Fourth level</a:t>
             </a:r>
           </a:p>
           <a:p>
             <a:pPr lvl="4"/>
             <a:r>
-              <a:rPr lang="en-US" smtClean="0"/>
+              <a:rPr lang="en-US"/>
               <a:t>Fifth level</a:t>
             </a:r>
-            <a:endParaRPr lang="en-US"/>
           </a:p>
         </p:txBody>
       </p:sp>
@@ -849,7 +857,7 @@
           <a:p>
             <a:fld id="{5BCAD085-E8A6-8845-BD4E-CB4CCA059FC4}" type="datetimeFigureOut">
               <a:rPr lang="en-US" smtClean="0"/>
-              <a:t>1/27/13</a:t>
+              <a:t>Tue, 1/27/2026</a:t>
             </a:fld>
             <a:endParaRPr lang="en-US"/>
           </a:p>
@@ -952,10 +960,9 @@
           </a:lstStyle>
           <a:p>
             <a:r>
-              <a:rPr lang="en-US" smtClean="0"/>
+              <a:rPr lang="en-US"/>
               <a:t>Click to edit Master title style</a:t>
             </a:r>
-            <a:endParaRPr lang="en-US"/>
           </a:p>
         </p:txBody>
       </p:sp>
@@ -1072,7 +1079,7 @@
           <a:p>
             <a:pPr lvl="0"/>
             <a:r>
-              <a:rPr lang="en-US" smtClean="0"/>
+              <a:rPr lang="en-US"/>
               <a:t>Click to edit Master text styles</a:t>
             </a:r>
           </a:p>
@@ -1095,7 +1102,7 @@
           <a:p>
             <a:fld id="{5BCAD085-E8A6-8845-BD4E-CB4CCA059FC4}" type="datetimeFigureOut">
               <a:rPr lang="en-US" smtClean="0"/>
-              <a:t>1/27/13</a:t>
+              <a:t>Tue, 1/27/2026</a:t>
             </a:fld>
             <a:endParaRPr lang="en-US"/>
           </a:p>
@@ -1189,10 +1196,9 @@
           <a:lstStyle/>
           <a:p>
             <a:r>
-              <a:rPr lang="en-US" smtClean="0"/>
+              <a:rPr lang="en-US"/>
               <a:t>Click to edit Master title style</a:t>
             </a:r>
-            <a:endParaRPr lang="en-US"/>
           </a:p>
         </p:txBody>
       </p:sp>
@@ -1246,38 +1252,37 @@
           <a:p>
             <a:pPr lvl="0"/>
             <a:r>
-              <a:rPr lang="en-US" smtClean="0"/>
+              <a:rPr lang="en-US"/>
               <a:t>Click to edit Master text styles</a:t>
             </a:r>
           </a:p>
           <a:p>
             <a:pPr lvl="1"/>
             <a:r>
-              <a:rPr lang="en-US" smtClean="0"/>
+              <a:rPr lang="en-US"/>
               <a:t>Second level</a:t>
             </a:r>
           </a:p>
           <a:p>
             <a:pPr lvl="2"/>
             <a:r>
-              <a:rPr lang="en-US" smtClean="0"/>
+              <a:rPr lang="en-US"/>
               <a:t>Third level</a:t>
             </a:r>
           </a:p>
           <a:p>
             <a:pPr lvl="3"/>
             <a:r>
-              <a:rPr lang="en-US" smtClean="0"/>
+              <a:rPr lang="en-US"/>
               <a:t>Fourth level</a:t>
             </a:r>
           </a:p>
           <a:p>
             <a:pPr lvl="4"/>
             <a:r>
-              <a:rPr lang="en-US" smtClean="0"/>
+              <a:rPr lang="en-US"/>
               <a:t>Fifth level</a:t>
             </a:r>
-            <a:endParaRPr lang="en-US"/>
           </a:p>
         </p:txBody>
       </p:sp>
@@ -1331,38 +1336,37 @@
           <a:p>
             <a:pPr lvl="0"/>
             <a:r>
-              <a:rPr lang="en-US" smtClean="0"/>
+              <a:rPr lang="en-US"/>
               <a:t>Click to edit Master text styles</a:t>
             </a:r>
           </a:p>
           <a:p>
             <a:pPr lvl="1"/>
             <a:r>
-              <a:rPr lang="en-US" smtClean="0"/>
+              <a:rPr lang="en-US"/>
               <a:t>Second level</a:t>
             </a:r>
           </a:p>
           <a:p>
             <a:pPr lvl="2"/>
             <a:r>
-              <a:rPr lang="en-US" smtClean="0"/>
+              <a:rPr lang="en-US"/>
               <a:t>Third level</a:t>
             </a:r>
           </a:p>
           <a:p>
             <a:pPr lvl="3"/>
             <a:r>
-              <a:rPr lang="en-US" smtClean="0"/>
+              <a:rPr lang="en-US"/>
               <a:t>Fourth level</a:t>
             </a:r>
           </a:p>
           <a:p>
             <a:pPr lvl="4"/>
             <a:r>
-              <a:rPr lang="en-US" smtClean="0"/>
+              <a:rPr lang="en-US"/>
               <a:t>Fifth level</a:t>
             </a:r>
-            <a:endParaRPr lang="en-US"/>
           </a:p>
         </p:txBody>
       </p:sp>
@@ -1383,7 +1387,7 @@
           <a:p>
             <a:fld id="{5BCAD085-E8A6-8845-BD4E-CB4CCA059FC4}" type="datetimeFigureOut">
               <a:rPr lang="en-US" smtClean="0"/>
-              <a:t>1/27/13</a:t>
+              <a:t>Tue, 1/27/2026</a:t>
             </a:fld>
             <a:endParaRPr lang="en-US"/>
           </a:p>
@@ -1481,10 +1485,9 @@
           </a:lstStyle>
           <a:p>
             <a:r>
-              <a:rPr lang="en-US" smtClean="0"/>
+              <a:rPr lang="en-US"/>
               <a:t>Click to edit Master title style</a:t>
             </a:r>
-            <a:endParaRPr lang="en-US"/>
           </a:p>
         </p:txBody>
       </p:sp>
@@ -1547,7 +1550,7 @@
           <a:p>
             <a:pPr lvl="0"/>
             <a:r>
-              <a:rPr lang="en-US" smtClean="0"/>
+              <a:rPr lang="en-US"/>
               <a:t>Click to edit Master text styles</a:t>
             </a:r>
           </a:p>
@@ -1603,38 +1606,37 @@
           <a:p>
             <a:pPr lvl="0"/>
             <a:r>
-              <a:rPr lang="en-US" smtClean="0"/>
+              <a:rPr lang="en-US"/>
               <a:t>Click to edit Master text styles</a:t>
             </a:r>
           </a:p>
           <a:p>
             <a:pPr lvl="1"/>
             <a:r>
-              <a:rPr lang="en-US" smtClean="0"/>
+              <a:rPr lang="en-US"/>
               <a:t>Second level</a:t>
             </a:r>
           </a:p>
           <a:p>
             <a:pPr lvl="2"/>
             <a:r>
-              <a:rPr lang="en-US" smtClean="0"/>
+              <a:rPr lang="en-US"/>
               <a:t>Third level</a:t>
             </a:r>
           </a:p>
           <a:p>
             <a:pPr lvl="3"/>
             <a:r>
-              <a:rPr lang="en-US" smtClean="0"/>
+              <a:rPr lang="en-US"/>
               <a:t>Fourth level</a:t>
             </a:r>
           </a:p>
           <a:p>
             <a:pPr lvl="4"/>
             <a:r>
-              <a:rPr lang="en-US" smtClean="0"/>
+              <a:rPr lang="en-US"/>
               <a:t>Fifth level</a:t>
             </a:r>
-            <a:endParaRPr lang="en-US"/>
           </a:p>
         </p:txBody>
       </p:sp>
@@ -1697,7 +1699,7 @@
           <a:p>
             <a:pPr lvl="0"/>
             <a:r>
-              <a:rPr lang="en-US" smtClean="0"/>
+              <a:rPr lang="en-US"/>
               <a:t>Click to edit Master text styles</a:t>
             </a:r>
           </a:p>
@@ -1753,38 +1755,37 @@
           <a:p>
             <a:pPr lvl="0"/>
             <a:r>
-              <a:rPr lang="en-US" smtClean="0"/>
+              <a:rPr lang="en-US"/>
               <a:t>Click to edit Master text styles</a:t>
             </a:r>
           </a:p>
           <a:p>
             <a:pPr lvl="1"/>
             <a:r>
-              <a:rPr lang="en-US" smtClean="0"/>
+              <a:rPr lang="en-US"/>
               <a:t>Second level</a:t>
             </a:r>
           </a:p>
           <a:p>
             <a:pPr lvl="2"/>
             <a:r>
-              <a:rPr lang="en-US" smtClean="0"/>
+              <a:rPr lang="en-US"/>
               <a:t>Third level</a:t>
             </a:r>
           </a:p>
           <a:p>
             <a:pPr lvl="3"/>
             <a:r>
-              <a:rPr lang="en-US" smtClean="0"/>
+              <a:rPr lang="en-US"/>
               <a:t>Fourth level</a:t>
             </a:r>
           </a:p>
           <a:p>
             <a:pPr lvl="4"/>
             <a:r>
-              <a:rPr lang="en-US" smtClean="0"/>
+              <a:rPr lang="en-US"/>
               <a:t>Fifth level</a:t>
             </a:r>
-            <a:endParaRPr lang="en-US"/>
           </a:p>
         </p:txBody>
       </p:sp>
@@ -1805,7 +1806,7 @@
           <a:p>
             <a:fld id="{5BCAD085-E8A6-8845-BD4E-CB4CCA059FC4}" type="datetimeFigureOut">
               <a:rPr lang="en-US" smtClean="0"/>
-              <a:t>1/27/13</a:t>
+              <a:t>Tue, 1/27/2026</a:t>
             </a:fld>
             <a:endParaRPr lang="en-US"/>
           </a:p>
@@ -1899,10 +1900,9 @@
           <a:lstStyle/>
           <a:p>
             <a:r>
-              <a:rPr lang="en-US" smtClean="0"/>
+              <a:rPr lang="en-US"/>
               <a:t>Click to edit Master title style</a:t>
             </a:r>
-            <a:endParaRPr lang="en-US"/>
           </a:p>
         </p:txBody>
       </p:sp>
@@ -1923,7 +1923,7 @@
           <a:p>
             <a:fld id="{5BCAD085-E8A6-8845-BD4E-CB4CCA059FC4}" type="datetimeFigureOut">
               <a:rPr lang="en-US" smtClean="0"/>
-              <a:t>1/27/13</a:t>
+              <a:t>Tue, 1/27/2026</a:t>
             </a:fld>
             <a:endParaRPr lang="en-US"/>
           </a:p>
@@ -2018,7 +2018,7 @@
           <a:p>
             <a:fld id="{5BCAD085-E8A6-8845-BD4E-CB4CCA059FC4}" type="datetimeFigureOut">
               <a:rPr lang="en-US" smtClean="0"/>
-              <a:t>1/27/13</a:t>
+              <a:t>Tue, 1/27/2026</a:t>
             </a:fld>
             <a:endParaRPr lang="en-US"/>
           </a:p>
@@ -2121,10 +2121,9 @@
           </a:lstStyle>
           <a:p>
             <a:r>
-              <a:rPr lang="en-US" smtClean="0"/>
+              <a:rPr lang="en-US"/>
               <a:t>Click to edit Master title style</a:t>
             </a:r>
-            <a:endParaRPr lang="en-US"/>
           </a:p>
         </p:txBody>
       </p:sp>
@@ -2178,38 +2177,37 @@
           <a:p>
             <a:pPr lvl="0"/>
             <a:r>
-              <a:rPr lang="en-US" smtClean="0"/>
+              <a:rPr lang="en-US"/>
               <a:t>Click to edit Master text styles</a:t>
             </a:r>
           </a:p>
           <a:p>
             <a:pPr lvl="1"/>
             <a:r>
-              <a:rPr lang="en-US" smtClean="0"/>
+              <a:rPr lang="en-US"/>
               <a:t>Second level</a:t>
             </a:r>
           </a:p>
           <a:p>
             <a:pPr lvl="2"/>
             <a:r>
-              <a:rPr lang="en-US" smtClean="0"/>
+              <a:rPr lang="en-US"/>
               <a:t>Third level</a:t>
             </a:r>
           </a:p>
           <a:p>
             <a:pPr lvl="3"/>
             <a:r>
-              <a:rPr lang="en-US" smtClean="0"/>
+              <a:rPr lang="en-US"/>
               <a:t>Fourth level</a:t>
             </a:r>
           </a:p>
           <a:p>
             <a:pPr lvl="4"/>
             <a:r>
-              <a:rPr lang="en-US" smtClean="0"/>
+              <a:rPr lang="en-US"/>
               <a:t>Fifth level</a:t>
             </a:r>
-            <a:endParaRPr lang="en-US"/>
           </a:p>
         </p:txBody>
       </p:sp>
@@ -2272,7 +2270,7 @@
           <a:p>
             <a:pPr lvl="0"/>
             <a:r>
-              <a:rPr lang="en-US" smtClean="0"/>
+              <a:rPr lang="en-US"/>
               <a:t>Click to edit Master text styles</a:t>
             </a:r>
           </a:p>
@@ -2295,7 +2293,7 @@
           <a:p>
             <a:fld id="{5BCAD085-E8A6-8845-BD4E-CB4CCA059FC4}" type="datetimeFigureOut">
               <a:rPr lang="en-US" smtClean="0"/>
-              <a:t>1/27/13</a:t>
+              <a:t>Tue, 1/27/2026</a:t>
             </a:fld>
             <a:endParaRPr lang="en-US"/>
           </a:p>
@@ -2398,10 +2396,9 @@
           </a:lstStyle>
           <a:p>
             <a:r>
-              <a:rPr lang="en-US" smtClean="0"/>
+              <a:rPr lang="en-US"/>
               <a:t>Click to edit Master title style</a:t>
             </a:r>
-            <a:endParaRPr lang="en-US"/>
           </a:p>
         </p:txBody>
       </p:sp>
@@ -2525,7 +2522,7 @@
           <a:p>
             <a:pPr lvl="0"/>
             <a:r>
-              <a:rPr lang="en-US" smtClean="0"/>
+              <a:rPr lang="en-US"/>
               <a:t>Click to edit Master text styles</a:t>
             </a:r>
           </a:p>
@@ -2548,7 +2545,7 @@
           <a:p>
             <a:fld id="{5BCAD085-E8A6-8845-BD4E-CB4CCA059FC4}" type="datetimeFigureOut">
               <a:rPr lang="en-US" smtClean="0"/>
-              <a:t>1/27/13</a:t>
+              <a:t>Tue, 1/27/2026</a:t>
             </a:fld>
             <a:endParaRPr lang="en-US"/>
           </a:p>
@@ -2657,10 +2654,9 @@
           <a:lstStyle/>
           <a:p>
             <a:r>
-              <a:rPr lang="en-US" smtClean="0"/>
+              <a:rPr lang="en-US"/>
               <a:t>Click to edit Master title style</a:t>
             </a:r>
-            <a:endParaRPr lang="en-US"/>
           </a:p>
         </p:txBody>
       </p:sp>
@@ -2691,38 +2687,37 @@
           <a:p>
             <a:pPr lvl="0"/>
             <a:r>
-              <a:rPr lang="en-US" smtClean="0"/>
+              <a:rPr lang="en-US"/>
               <a:t>Click to edit Master text styles</a:t>
             </a:r>
           </a:p>
           <a:p>
             <a:pPr lvl="1"/>
             <a:r>
-              <a:rPr lang="en-US" smtClean="0"/>
+              <a:rPr lang="en-US"/>
               <a:t>Second level</a:t>
             </a:r>
           </a:p>
           <a:p>
             <a:pPr lvl="2"/>
             <a:r>
-              <a:rPr lang="en-US" smtClean="0"/>
+              <a:rPr lang="en-US"/>
               <a:t>Third level</a:t>
             </a:r>
           </a:p>
           <a:p>
             <a:pPr lvl="3"/>
             <a:r>
-              <a:rPr lang="en-US" smtClean="0"/>
+              <a:rPr lang="en-US"/>
               <a:t>Fourth level</a:t>
             </a:r>
           </a:p>
           <a:p>
             <a:pPr lvl="4"/>
             <a:r>
-              <a:rPr lang="en-US" smtClean="0"/>
+              <a:rPr lang="en-US"/>
               <a:t>Fifth level</a:t>
             </a:r>
-            <a:endParaRPr lang="en-US"/>
           </a:p>
         </p:txBody>
       </p:sp>
@@ -2761,7 +2756,7 @@
           <a:p>
             <a:fld id="{5BCAD085-E8A6-8845-BD4E-CB4CCA059FC4}" type="datetimeFigureOut">
               <a:rPr lang="en-US" smtClean="0"/>
-              <a:t>1/27/13</a:t>
+              <a:t>Tue, 1/27/2026</a:t>
             </a:fld>
             <a:endParaRPr lang="en-US"/>
           </a:p>
@@ -3120,7 +3115,7 @@
 </file>
 
 <file path=ppt/slides/slide1.xml><?xml version="1.0" encoding="utf-8"?>
-<p:sld xmlns:a="http://schemas.openxmlformats.org/drawingml/2006/main" xmlns:p="http://schemas.openxmlformats.org/presentationml/2006/main" xmlns:r="http://schemas.openxmlformats.org/officeDocument/2006/relationships">
+<p:sld xmlns:a="http://schemas.openxmlformats.org/drawingml/2006/main" xmlns:r="http://schemas.openxmlformats.org/officeDocument/2006/relationships" xmlns:p="http://schemas.openxmlformats.org/presentationml/2006/main">
   <p:cSld>
     <p:bg>
       <p:bgPr>
@@ -3136,7 +3131,14 @@
         <p:cNvGrpSpPr/>
         <p:nvPr/>
       </p:nvGrpSpPr>
-      <p:grpSpPr/>
+      <p:grpSpPr>
+        <a:xfrm>
+          <a:off x="0" y="0"/>
+          <a:ext cx="0" cy="0"/>
+          <a:chOff x="0" y="0"/>
+          <a:chExt cx="0" cy="0"/>
+        </a:xfrm>
+      </p:grpSpPr>
       <p:sp>
         <p:nvSpPr>
           <p:cNvPr id="2" name="Rectangle 1"/>
@@ -3177,6 +3179,7 @@
           <a:lstStyle/>
           <a:p>
             <a:pPr algn="ctr"/>
+            <a:endParaRPr/>
           </a:p>
         </p:txBody>
       </p:sp>
@@ -3292,6 +3295,7 @@
           <a:lstStyle/>
           <a:p>
             <a:pPr algn="ctr"/>
+            <a:endParaRPr/>
           </a:p>
         </p:txBody>
       </p:sp>
@@ -3340,7 +3344,7 @@
 </file>
 
 <file path=ppt/slides/slide10.xml><?xml version="1.0" encoding="utf-8"?>
-<p:sld xmlns:a="http://schemas.openxmlformats.org/drawingml/2006/main" xmlns:p="http://schemas.openxmlformats.org/presentationml/2006/main" xmlns:r="http://schemas.openxmlformats.org/officeDocument/2006/relationships">
+<p:sld xmlns:a="http://schemas.openxmlformats.org/drawingml/2006/main" xmlns:r="http://schemas.openxmlformats.org/officeDocument/2006/relationships" xmlns:p="http://schemas.openxmlformats.org/presentationml/2006/main">
   <p:cSld>
     <p:bg>
       <p:bgPr>
@@ -3356,7 +3360,14 @@
         <p:cNvGrpSpPr/>
         <p:nvPr/>
       </p:nvGrpSpPr>
-      <p:grpSpPr/>
+      <p:grpSpPr>
+        <a:xfrm>
+          <a:off x="0" y="0"/>
+          <a:ext cx="0" cy="0"/>
+          <a:chOff x="0" y="0"/>
+          <a:chExt cx="0" cy="0"/>
+        </a:xfrm>
+      </p:grpSpPr>
       <p:sp>
         <p:nvSpPr>
           <p:cNvPr id="2" name="TextBox 1"/>
@@ -3469,6 +3480,7 @@
           <a:lstStyle/>
           <a:p>
             <a:pPr algn="ctr"/>
+            <a:endParaRPr/>
           </a:p>
         </p:txBody>
       </p:sp>
@@ -3646,6 +3658,7 @@
           <a:lstStyle/>
           <a:p>
             <a:pPr algn="ctr"/>
+            <a:endParaRPr/>
           </a:p>
         </p:txBody>
       </p:sp>
@@ -3792,7 +3805,7 @@
 </file>
 
 <file path=ppt/slides/slide11.xml><?xml version="1.0" encoding="utf-8"?>
-<p:sld xmlns:a="http://schemas.openxmlformats.org/drawingml/2006/main" xmlns:p="http://schemas.openxmlformats.org/presentationml/2006/main" xmlns:r="http://schemas.openxmlformats.org/officeDocument/2006/relationships">
+<p:sld xmlns:a="http://schemas.openxmlformats.org/drawingml/2006/main" xmlns:r="http://schemas.openxmlformats.org/officeDocument/2006/relationships" xmlns:p="http://schemas.openxmlformats.org/presentationml/2006/main">
   <p:cSld>
     <p:bg>
       <p:bgPr>
@@ -3808,7 +3821,14 @@
         <p:cNvGrpSpPr/>
         <p:nvPr/>
       </p:nvGrpSpPr>
-      <p:grpSpPr/>
+      <p:grpSpPr>
+        <a:xfrm>
+          <a:off x="0" y="0"/>
+          <a:ext cx="0" cy="0"/>
+          <a:chOff x="0" y="0"/>
+          <a:chExt cx="0" cy="0"/>
+        </a:xfrm>
+      </p:grpSpPr>
       <p:sp>
         <p:nvSpPr>
           <p:cNvPr id="2" name="TextBox 1"/>
@@ -3926,7 +3946,7 @@
 </file>
 
 <file path=ppt/slides/slide12.xml><?xml version="1.0" encoding="utf-8"?>
-<p:sld xmlns:a="http://schemas.openxmlformats.org/drawingml/2006/main" xmlns:p="http://schemas.openxmlformats.org/presentationml/2006/main" xmlns:r="http://schemas.openxmlformats.org/officeDocument/2006/relationships">
+<p:sld xmlns:a="http://schemas.openxmlformats.org/drawingml/2006/main" xmlns:r="http://schemas.openxmlformats.org/officeDocument/2006/relationships" xmlns:p="http://schemas.openxmlformats.org/presentationml/2006/main">
   <p:cSld>
     <p:bg>
       <p:bgPr>
@@ -3942,7 +3962,14 @@
         <p:cNvGrpSpPr/>
         <p:nvPr/>
       </p:nvGrpSpPr>
-      <p:grpSpPr/>
+      <p:grpSpPr>
+        <a:xfrm>
+          <a:off x="0" y="0"/>
+          <a:ext cx="0" cy="0"/>
+          <a:chOff x="0" y="0"/>
+          <a:chExt cx="0" cy="0"/>
+        </a:xfrm>
+      </p:grpSpPr>
       <p:sp>
         <p:nvSpPr>
           <p:cNvPr id="2" name="TextBox 1"/>
@@ -4055,6 +4082,7 @@
           <a:lstStyle/>
           <a:p>
             <a:pPr algn="ctr"/>
+            <a:endParaRPr/>
           </a:p>
         </p:txBody>
       </p:sp>
@@ -4098,6 +4126,7 @@
           <a:lstStyle/>
           <a:p>
             <a:pPr algn="ctr"/>
+            <a:endParaRPr/>
           </a:p>
         </p:txBody>
       </p:sp>
@@ -4213,6 +4242,7 @@
           <a:lstStyle/>
           <a:p>
             <a:pPr algn="ctr"/>
+            <a:endParaRPr/>
           </a:p>
         </p:txBody>
       </p:sp>
@@ -4256,6 +4286,7 @@
           <a:lstStyle/>
           <a:p>
             <a:pPr algn="ctr"/>
+            <a:endParaRPr/>
           </a:p>
         </p:txBody>
       </p:sp>
@@ -4371,6 +4402,7 @@
           <a:lstStyle/>
           <a:p>
             <a:pPr algn="ctr"/>
+            <a:endParaRPr/>
           </a:p>
         </p:txBody>
       </p:sp>
@@ -4414,6 +4446,7 @@
           <a:lstStyle/>
           <a:p>
             <a:pPr algn="ctr"/>
+            <a:endParaRPr/>
           </a:p>
         </p:txBody>
       </p:sp>
@@ -4498,7 +4531,7 @@
 </file>
 
 <file path=ppt/slides/slide13.xml><?xml version="1.0" encoding="utf-8"?>
-<p:sld xmlns:a="http://schemas.openxmlformats.org/drawingml/2006/main" xmlns:p="http://schemas.openxmlformats.org/presentationml/2006/main" xmlns:r="http://schemas.openxmlformats.org/officeDocument/2006/relationships">
+<p:sld xmlns:a="http://schemas.openxmlformats.org/drawingml/2006/main" xmlns:r="http://schemas.openxmlformats.org/officeDocument/2006/relationships" xmlns:p="http://schemas.openxmlformats.org/presentationml/2006/main">
   <p:cSld>
     <p:bg>
       <p:bgPr>
@@ -4514,7 +4547,14 @@
         <p:cNvGrpSpPr/>
         <p:nvPr/>
       </p:nvGrpSpPr>
-      <p:grpSpPr/>
+      <p:grpSpPr>
+        <a:xfrm>
+          <a:off x="0" y="0"/>
+          <a:ext cx="0" cy="0"/>
+          <a:chOff x="0" y="0"/>
+          <a:chExt cx="0" cy="0"/>
+        </a:xfrm>
+      </p:grpSpPr>
       <p:sp>
         <p:nvSpPr>
           <p:cNvPr id="2" name="TextBox 1"/>
@@ -4663,6 +4703,7 @@
           <a:lstStyle/>
           <a:p>
             <a:pPr algn="ctr"/>
+            <a:endParaRPr/>
           </a:p>
         </p:txBody>
       </p:sp>
@@ -4706,6 +4747,7 @@
           <a:lstStyle/>
           <a:p>
             <a:pPr algn="ctr"/>
+            <a:endParaRPr/>
           </a:p>
         </p:txBody>
       </p:sp>
@@ -4749,6 +4791,7 @@
           <a:lstStyle/>
           <a:p>
             <a:pPr algn="ctr"/>
+            <a:endParaRPr/>
           </a:p>
         </p:txBody>
       </p:sp>
@@ -4792,6 +4835,7 @@
           <a:lstStyle/>
           <a:p>
             <a:pPr algn="ctr"/>
+            <a:endParaRPr/>
           </a:p>
         </p:txBody>
       </p:sp>
@@ -4804,7 +4848,7 @@
 </file>
 
 <file path=ppt/slides/slide14.xml><?xml version="1.0" encoding="utf-8"?>
-<p:sld xmlns:a="http://schemas.openxmlformats.org/drawingml/2006/main" xmlns:p="http://schemas.openxmlformats.org/presentationml/2006/main" xmlns:r="http://schemas.openxmlformats.org/officeDocument/2006/relationships">
+<p:sld xmlns:a="http://schemas.openxmlformats.org/drawingml/2006/main" xmlns:r="http://schemas.openxmlformats.org/officeDocument/2006/relationships" xmlns:p="http://schemas.openxmlformats.org/presentationml/2006/main">
   <p:cSld>
     <p:bg>
       <p:bgPr>
@@ -4820,7 +4864,14 @@
         <p:cNvGrpSpPr/>
         <p:nvPr/>
       </p:nvGrpSpPr>
-      <p:grpSpPr/>
+      <p:grpSpPr>
+        <a:xfrm>
+          <a:off x="0" y="0"/>
+          <a:ext cx="0" cy="0"/>
+          <a:chOff x="0" y="0"/>
+          <a:chExt cx="0" cy="0"/>
+        </a:xfrm>
+      </p:grpSpPr>
       <p:sp>
         <p:nvSpPr>
           <p:cNvPr id="2" name="TextBox 1"/>
@@ -5000,7 +5051,7 @@
 </file>
 
 <file path=ppt/slides/slide15.xml><?xml version="1.0" encoding="utf-8"?>
-<p:sld xmlns:a="http://schemas.openxmlformats.org/drawingml/2006/main" xmlns:p="http://schemas.openxmlformats.org/presentationml/2006/main" xmlns:r="http://schemas.openxmlformats.org/officeDocument/2006/relationships">
+<p:sld xmlns:a="http://schemas.openxmlformats.org/drawingml/2006/main" xmlns:r="http://schemas.openxmlformats.org/officeDocument/2006/relationships" xmlns:p="http://schemas.openxmlformats.org/presentationml/2006/main">
   <p:cSld>
     <p:bg>
       <p:bgPr>
@@ -5016,7 +5067,14 @@
         <p:cNvGrpSpPr/>
         <p:nvPr/>
       </p:nvGrpSpPr>
-      <p:grpSpPr/>
+      <p:grpSpPr>
+        <a:xfrm>
+          <a:off x="0" y="0"/>
+          <a:ext cx="0" cy="0"/>
+          <a:chOff x="0" y="0"/>
+          <a:chExt cx="0" cy="0"/>
+        </a:xfrm>
+      </p:grpSpPr>
       <p:sp>
         <p:nvSpPr>
           <p:cNvPr id="2" name="TextBox 1"/>
@@ -5129,6 +5187,7 @@
           <a:lstStyle/>
           <a:p>
             <a:pPr algn="ctr"/>
+            <a:endParaRPr/>
           </a:p>
         </p:txBody>
       </p:sp>
@@ -5172,6 +5231,7 @@
           <a:lstStyle/>
           <a:p>
             <a:pPr algn="ctr"/>
+            <a:endParaRPr/>
           </a:p>
         </p:txBody>
       </p:sp>
@@ -5287,6 +5347,7 @@
           <a:lstStyle/>
           <a:p>
             <a:pPr algn="ctr"/>
+            <a:endParaRPr/>
           </a:p>
         </p:txBody>
       </p:sp>
@@ -5330,6 +5391,7 @@
           <a:lstStyle/>
           <a:p>
             <a:pPr algn="ctr"/>
+            <a:endParaRPr/>
           </a:p>
         </p:txBody>
       </p:sp>
@@ -5445,6 +5507,7 @@
           <a:lstStyle/>
           <a:p>
             <a:pPr algn="ctr"/>
+            <a:endParaRPr/>
           </a:p>
         </p:txBody>
       </p:sp>
@@ -5488,6 +5551,7 @@
           <a:lstStyle/>
           <a:p>
             <a:pPr algn="ctr"/>
+            <a:endParaRPr/>
           </a:p>
         </p:txBody>
       </p:sp>
@@ -5603,6 +5667,7 @@
           <a:lstStyle/>
           <a:p>
             <a:pPr algn="ctr"/>
+            <a:endParaRPr/>
           </a:p>
         </p:txBody>
       </p:sp>
@@ -5646,6 +5711,7 @@
           <a:lstStyle/>
           <a:p>
             <a:pPr algn="ctr"/>
+            <a:endParaRPr/>
           </a:p>
         </p:txBody>
       </p:sp>
@@ -5730,7 +5796,7 @@
 </file>
 
 <file path=ppt/slides/slide16.xml><?xml version="1.0" encoding="utf-8"?>
-<p:sld xmlns:a="http://schemas.openxmlformats.org/drawingml/2006/main" xmlns:p="http://schemas.openxmlformats.org/presentationml/2006/main" xmlns:r="http://schemas.openxmlformats.org/officeDocument/2006/relationships">
+<p:sld xmlns:a="http://schemas.openxmlformats.org/drawingml/2006/main" xmlns:r="http://schemas.openxmlformats.org/officeDocument/2006/relationships" xmlns:p="http://schemas.openxmlformats.org/presentationml/2006/main">
   <p:cSld>
     <p:bg>
       <p:bgPr>
@@ -5746,7 +5812,14 @@
         <p:cNvGrpSpPr/>
         <p:nvPr/>
       </p:nvGrpSpPr>
-      <p:grpSpPr/>
+      <p:grpSpPr>
+        <a:xfrm>
+          <a:off x="0" y="0"/>
+          <a:ext cx="0" cy="0"/>
+          <a:chOff x="0" y="0"/>
+          <a:chExt cx="0" cy="0"/>
+        </a:xfrm>
+      </p:grpSpPr>
       <p:sp>
         <p:nvSpPr>
           <p:cNvPr id="2" name="TextBox 1"/>
@@ -5859,6 +5932,7 @@
           <a:lstStyle/>
           <a:p>
             <a:pPr algn="ctr"/>
+            <a:endParaRPr/>
           </a:p>
         </p:txBody>
       </p:sp>
@@ -6036,6 +6110,7 @@
           <a:lstStyle/>
           <a:p>
             <a:pPr algn="ctr"/>
+            <a:endParaRPr/>
           </a:p>
         </p:txBody>
       </p:sp>
@@ -6182,7 +6257,7 @@
 </file>
 
 <file path=ppt/slides/slide17.xml><?xml version="1.0" encoding="utf-8"?>
-<p:sld xmlns:a="http://schemas.openxmlformats.org/drawingml/2006/main" xmlns:p="http://schemas.openxmlformats.org/presentationml/2006/main" xmlns:r="http://schemas.openxmlformats.org/officeDocument/2006/relationships">
+<p:sld xmlns:a="http://schemas.openxmlformats.org/drawingml/2006/main" xmlns:r="http://schemas.openxmlformats.org/officeDocument/2006/relationships" xmlns:p="http://schemas.openxmlformats.org/presentationml/2006/main">
   <p:cSld>
     <p:bg>
       <p:bgPr>
@@ -6198,7 +6273,14 @@
         <p:cNvGrpSpPr/>
         <p:nvPr/>
       </p:nvGrpSpPr>
-      <p:grpSpPr/>
+      <p:grpSpPr>
+        <a:xfrm>
+          <a:off x="0" y="0"/>
+          <a:ext cx="0" cy="0"/>
+          <a:chOff x="0" y="0"/>
+          <a:chExt cx="0" cy="0"/>
+        </a:xfrm>
+      </p:grpSpPr>
       <p:sp>
         <p:nvSpPr>
           <p:cNvPr id="2" name="TextBox 1"/>
@@ -6378,7 +6460,7 @@
 </file>
 
 <file path=ppt/slides/slide18.xml><?xml version="1.0" encoding="utf-8"?>
-<p:sld xmlns:a="http://schemas.openxmlformats.org/drawingml/2006/main" xmlns:p="http://schemas.openxmlformats.org/presentationml/2006/main" xmlns:r="http://schemas.openxmlformats.org/officeDocument/2006/relationships">
+<p:sld xmlns:a="http://schemas.openxmlformats.org/drawingml/2006/main" xmlns:r="http://schemas.openxmlformats.org/officeDocument/2006/relationships" xmlns:p="http://schemas.openxmlformats.org/presentationml/2006/main">
   <p:cSld>
     <p:bg>
       <p:bgPr>
@@ -6394,7 +6476,14 @@
         <p:cNvGrpSpPr/>
         <p:nvPr/>
       </p:nvGrpSpPr>
-      <p:grpSpPr/>
+      <p:grpSpPr>
+        <a:xfrm>
+          <a:off x="0" y="0"/>
+          <a:ext cx="0" cy="0"/>
+          <a:chOff x="0" y="0"/>
+          <a:chExt cx="0" cy="0"/>
+        </a:xfrm>
+      </p:grpSpPr>
       <p:sp>
         <p:nvSpPr>
           <p:cNvPr id="2" name="TextBox 1"/>
@@ -6507,6 +6596,7 @@
           <a:lstStyle/>
           <a:p>
             <a:pPr algn="ctr"/>
+            <a:endParaRPr/>
           </a:p>
         </p:txBody>
       </p:sp>
@@ -6624,7 +6714,7 @@
 </file>
 
 <file path=ppt/slides/slide19.xml><?xml version="1.0" encoding="utf-8"?>
-<p:sld xmlns:a="http://schemas.openxmlformats.org/drawingml/2006/main" xmlns:p="http://schemas.openxmlformats.org/presentationml/2006/main" xmlns:r="http://schemas.openxmlformats.org/officeDocument/2006/relationships">
+<p:sld xmlns:a="http://schemas.openxmlformats.org/drawingml/2006/main" xmlns:r="http://schemas.openxmlformats.org/officeDocument/2006/relationships" xmlns:p="http://schemas.openxmlformats.org/presentationml/2006/main">
   <p:cSld>
     <p:bg>
       <p:bgPr>
@@ -6640,7 +6730,14 @@
         <p:cNvGrpSpPr/>
         <p:nvPr/>
       </p:nvGrpSpPr>
-      <p:grpSpPr/>
+      <p:grpSpPr>
+        <a:xfrm>
+          <a:off x="0" y="0"/>
+          <a:ext cx="0" cy="0"/>
+          <a:chOff x="0" y="0"/>
+          <a:chExt cx="0" cy="0"/>
+        </a:xfrm>
+      </p:grpSpPr>
       <p:sp>
         <p:nvSpPr>
           <p:cNvPr id="2" name="TextBox 1"/>
@@ -6753,6 +6850,7 @@
           <a:lstStyle/>
           <a:p>
             <a:pPr algn="ctr"/>
+            <a:endParaRPr/>
           </a:p>
         </p:txBody>
       </p:sp>
@@ -6862,7 +6960,7 @@
 </file>
 
 <file path=ppt/slides/slide2.xml><?xml version="1.0" encoding="utf-8"?>
-<p:sld xmlns:a="http://schemas.openxmlformats.org/drawingml/2006/main" xmlns:p="http://schemas.openxmlformats.org/presentationml/2006/main" xmlns:r="http://schemas.openxmlformats.org/officeDocument/2006/relationships">
+<p:sld xmlns:a="http://schemas.openxmlformats.org/drawingml/2006/main" xmlns:r="http://schemas.openxmlformats.org/officeDocument/2006/relationships" xmlns:p="http://schemas.openxmlformats.org/presentationml/2006/main">
   <p:cSld>
     <p:bg>
       <p:bgPr>
@@ -6878,7 +6976,14 @@
         <p:cNvGrpSpPr/>
         <p:nvPr/>
       </p:nvGrpSpPr>
-      <p:grpSpPr/>
+      <p:grpSpPr>
+        <a:xfrm>
+          <a:off x="0" y="0"/>
+          <a:ext cx="0" cy="0"/>
+          <a:chOff x="0" y="0"/>
+          <a:chExt cx="0" cy="0"/>
+        </a:xfrm>
+      </p:grpSpPr>
       <p:sp>
         <p:nvSpPr>
           <p:cNvPr id="2" name="TextBox 1"/>
@@ -6991,6 +7096,7 @@
           <a:lstStyle/>
           <a:p>
             <a:pPr algn="ctr"/>
+            <a:endParaRPr/>
           </a:p>
         </p:txBody>
       </p:sp>
@@ -7142,6 +7248,7 @@
           <a:lstStyle/>
           <a:p>
             <a:pPr algn="ctr"/>
+            <a:endParaRPr/>
           </a:p>
         </p:txBody>
       </p:sp>
@@ -7293,6 +7400,7 @@
           <a:lstStyle/>
           <a:p>
             <a:pPr algn="ctr"/>
+            <a:endParaRPr/>
           </a:p>
         </p:txBody>
       </p:sp>
@@ -7444,6 +7552,7 @@
           <a:lstStyle/>
           <a:p>
             <a:pPr algn="ctr"/>
+            <a:endParaRPr/>
           </a:p>
         </p:txBody>
       </p:sp>
@@ -7564,7 +7673,7 @@
 </file>
 
 <file path=ppt/slides/slide20.xml><?xml version="1.0" encoding="utf-8"?>
-<p:sld xmlns:a="http://schemas.openxmlformats.org/drawingml/2006/main" xmlns:p="http://schemas.openxmlformats.org/presentationml/2006/main" xmlns:r="http://schemas.openxmlformats.org/officeDocument/2006/relationships">
+<p:sld xmlns:a="http://schemas.openxmlformats.org/drawingml/2006/main" xmlns:r="http://schemas.openxmlformats.org/officeDocument/2006/relationships" xmlns:p="http://schemas.openxmlformats.org/presentationml/2006/main">
   <p:cSld>
     <p:bg>
       <p:bgPr>
@@ -7580,7 +7689,14 @@
         <p:cNvGrpSpPr/>
         <p:nvPr/>
       </p:nvGrpSpPr>
-      <p:grpSpPr/>
+      <p:grpSpPr>
+        <a:xfrm>
+          <a:off x="0" y="0"/>
+          <a:ext cx="0" cy="0"/>
+          <a:chOff x="0" y="0"/>
+          <a:chExt cx="0" cy="0"/>
+        </a:xfrm>
+      </p:grpSpPr>
       <p:sp>
         <p:nvSpPr>
           <p:cNvPr id="2" name="TextBox 1"/>
@@ -7693,6 +7809,7 @@
           <a:lstStyle/>
           <a:p>
             <a:pPr algn="ctr"/>
+            <a:endParaRPr/>
           </a:p>
         </p:txBody>
       </p:sp>
@@ -7796,7 +7913,7 @@
 </file>
 
 <file path=ppt/slides/slide21.xml><?xml version="1.0" encoding="utf-8"?>
-<p:sld xmlns:a="http://schemas.openxmlformats.org/drawingml/2006/main" xmlns:p="http://schemas.openxmlformats.org/presentationml/2006/main" xmlns:r="http://schemas.openxmlformats.org/officeDocument/2006/relationships">
+<p:sld xmlns:a="http://schemas.openxmlformats.org/drawingml/2006/main" xmlns:r="http://schemas.openxmlformats.org/officeDocument/2006/relationships" xmlns:p="http://schemas.openxmlformats.org/presentationml/2006/main">
   <p:cSld>
     <p:bg>
       <p:bgPr>
@@ -7812,7 +7929,14 @@
         <p:cNvGrpSpPr/>
         <p:nvPr/>
       </p:nvGrpSpPr>
-      <p:grpSpPr/>
+      <p:grpSpPr>
+        <a:xfrm>
+          <a:off x="0" y="0"/>
+          <a:ext cx="0" cy="0"/>
+          <a:chOff x="0" y="0"/>
+          <a:chExt cx="0" cy="0"/>
+        </a:xfrm>
+      </p:grpSpPr>
       <p:sp>
         <p:nvSpPr>
           <p:cNvPr id="2" name="TextBox 1"/>
@@ -7992,7 +8116,7 @@
 </file>
 
 <file path=ppt/slides/slide22.xml><?xml version="1.0" encoding="utf-8"?>
-<p:sld xmlns:a="http://schemas.openxmlformats.org/drawingml/2006/main" xmlns:p="http://schemas.openxmlformats.org/presentationml/2006/main" xmlns:r="http://schemas.openxmlformats.org/officeDocument/2006/relationships">
+<p:sld xmlns:a="http://schemas.openxmlformats.org/drawingml/2006/main" xmlns:r="http://schemas.openxmlformats.org/officeDocument/2006/relationships" xmlns:p="http://schemas.openxmlformats.org/presentationml/2006/main">
   <p:cSld>
     <p:bg>
       <p:bgPr>
@@ -8008,7 +8132,14 @@
         <p:cNvGrpSpPr/>
         <p:nvPr/>
       </p:nvGrpSpPr>
-      <p:grpSpPr/>
+      <p:grpSpPr>
+        <a:xfrm>
+          <a:off x="0" y="0"/>
+          <a:ext cx="0" cy="0"/>
+          <a:chOff x="0" y="0"/>
+          <a:chExt cx="0" cy="0"/>
+        </a:xfrm>
+      </p:grpSpPr>
       <p:sp>
         <p:nvSpPr>
           <p:cNvPr id="2" name="TextBox 1"/>
@@ -8157,6 +8288,7 @@
           <a:lstStyle/>
           <a:p>
             <a:pPr algn="ctr"/>
+            <a:endParaRPr/>
           </a:p>
         </p:txBody>
       </p:sp>
@@ -8200,6 +8332,7 @@
           <a:lstStyle/>
           <a:p>
             <a:pPr algn="ctr"/>
+            <a:endParaRPr/>
           </a:p>
         </p:txBody>
       </p:sp>
@@ -8243,6 +8376,7 @@
           <a:lstStyle/>
           <a:p>
             <a:pPr algn="ctr"/>
+            <a:endParaRPr/>
           </a:p>
         </p:txBody>
       </p:sp>
@@ -8286,6 +8420,7 @@
           <a:lstStyle/>
           <a:p>
             <a:pPr algn="ctr"/>
+            <a:endParaRPr/>
           </a:p>
         </p:txBody>
       </p:sp>
@@ -8298,7 +8433,7 @@
 </file>
 
 <file path=ppt/slides/slide23.xml><?xml version="1.0" encoding="utf-8"?>
-<p:sld xmlns:a="http://schemas.openxmlformats.org/drawingml/2006/main" xmlns:p="http://schemas.openxmlformats.org/presentationml/2006/main" xmlns:r="http://schemas.openxmlformats.org/officeDocument/2006/relationships">
+<p:sld xmlns:a="http://schemas.openxmlformats.org/drawingml/2006/main" xmlns:r="http://schemas.openxmlformats.org/officeDocument/2006/relationships" xmlns:p="http://schemas.openxmlformats.org/presentationml/2006/main">
   <p:cSld>
     <p:bg>
       <p:bgPr>
@@ -8314,7 +8449,14 @@
         <p:cNvGrpSpPr/>
         <p:nvPr/>
       </p:nvGrpSpPr>
-      <p:grpSpPr/>
+      <p:grpSpPr>
+        <a:xfrm>
+          <a:off x="0" y="0"/>
+          <a:ext cx="0" cy="0"/>
+          <a:chOff x="0" y="0"/>
+          <a:chExt cx="0" cy="0"/>
+        </a:xfrm>
+      </p:grpSpPr>
       <p:sp>
         <p:nvSpPr>
           <p:cNvPr id="2" name="TextBox 1"/>
@@ -8427,6 +8569,7 @@
           <a:lstStyle/>
           <a:p>
             <a:pPr algn="ctr"/>
+            <a:endParaRPr/>
           </a:p>
         </p:txBody>
       </p:sp>
@@ -8470,6 +8613,7 @@
           <a:lstStyle/>
           <a:p>
             <a:pPr algn="ctr"/>
+            <a:endParaRPr/>
           </a:p>
         </p:txBody>
       </p:sp>
@@ -8585,6 +8729,7 @@
           <a:lstStyle/>
           <a:p>
             <a:pPr algn="ctr"/>
+            <a:endParaRPr/>
           </a:p>
         </p:txBody>
       </p:sp>
@@ -8628,6 +8773,7 @@
           <a:lstStyle/>
           <a:p>
             <a:pPr algn="ctr"/>
+            <a:endParaRPr/>
           </a:p>
         </p:txBody>
       </p:sp>
@@ -8743,6 +8889,7 @@
           <a:lstStyle/>
           <a:p>
             <a:pPr algn="ctr"/>
+            <a:endParaRPr/>
           </a:p>
         </p:txBody>
       </p:sp>
@@ -8786,6 +8933,7 @@
           <a:lstStyle/>
           <a:p>
             <a:pPr algn="ctr"/>
+            <a:endParaRPr/>
           </a:p>
         </p:txBody>
       </p:sp>
@@ -8901,6 +9049,7 @@
           <a:lstStyle/>
           <a:p>
             <a:pPr algn="ctr"/>
+            <a:endParaRPr/>
           </a:p>
         </p:txBody>
       </p:sp>
@@ -8944,6 +9093,7 @@
           <a:lstStyle/>
           <a:p>
             <a:pPr algn="ctr"/>
+            <a:endParaRPr/>
           </a:p>
         </p:txBody>
       </p:sp>
@@ -9028,7 +9178,7 @@
 </file>
 
 <file path=ppt/slides/slide24.xml><?xml version="1.0" encoding="utf-8"?>
-<p:sld xmlns:a="http://schemas.openxmlformats.org/drawingml/2006/main" xmlns:p="http://schemas.openxmlformats.org/presentationml/2006/main" xmlns:r="http://schemas.openxmlformats.org/officeDocument/2006/relationships">
+<p:sld xmlns:a="http://schemas.openxmlformats.org/drawingml/2006/main" xmlns:r="http://schemas.openxmlformats.org/officeDocument/2006/relationships" xmlns:p="http://schemas.openxmlformats.org/presentationml/2006/main">
   <p:cSld>
     <p:bg>
       <p:bgPr>
@@ -9044,7 +9194,14 @@
         <p:cNvGrpSpPr/>
         <p:nvPr/>
       </p:nvGrpSpPr>
-      <p:grpSpPr/>
+      <p:grpSpPr>
+        <a:xfrm>
+          <a:off x="0" y="0"/>
+          <a:ext cx="0" cy="0"/>
+          <a:chOff x="0" y="0"/>
+          <a:chExt cx="0" cy="0"/>
+        </a:xfrm>
+      </p:grpSpPr>
       <p:sp>
         <p:nvSpPr>
           <p:cNvPr id="2" name="TextBox 1"/>
@@ -9157,6 +9314,7 @@
           <a:lstStyle/>
           <a:p>
             <a:pPr algn="ctr"/>
+            <a:endParaRPr/>
           </a:p>
         </p:txBody>
       </p:sp>
@@ -9334,6 +9492,7 @@
           <a:lstStyle/>
           <a:p>
             <a:pPr algn="ctr"/>
+            <a:endParaRPr/>
           </a:p>
         </p:txBody>
       </p:sp>
@@ -9480,7 +9639,7 @@
 </file>
 
 <file path=ppt/slides/slide25.xml><?xml version="1.0" encoding="utf-8"?>
-<p:sld xmlns:a="http://schemas.openxmlformats.org/drawingml/2006/main" xmlns:p="http://schemas.openxmlformats.org/presentationml/2006/main" xmlns:r="http://schemas.openxmlformats.org/officeDocument/2006/relationships">
+<p:sld xmlns:a="http://schemas.openxmlformats.org/drawingml/2006/main" xmlns:r="http://schemas.openxmlformats.org/officeDocument/2006/relationships" xmlns:p="http://schemas.openxmlformats.org/presentationml/2006/main">
   <p:cSld>
     <p:bg>
       <p:bgPr>
@@ -9496,7 +9655,14 @@
         <p:cNvGrpSpPr/>
         <p:nvPr/>
       </p:nvGrpSpPr>
-      <p:grpSpPr/>
+      <p:grpSpPr>
+        <a:xfrm>
+          <a:off x="0" y="0"/>
+          <a:ext cx="0" cy="0"/>
+          <a:chOff x="0" y="0"/>
+          <a:chExt cx="0" cy="0"/>
+        </a:xfrm>
+      </p:grpSpPr>
       <p:sp>
         <p:nvSpPr>
           <p:cNvPr id="2" name="TextBox 1"/>
@@ -9609,6 +9775,7 @@
           <a:lstStyle/>
           <a:p>
             <a:pPr algn="ctr"/>
+            <a:endParaRPr/>
           </a:p>
         </p:txBody>
       </p:sp>
@@ -9744,7 +9911,7 @@
 </file>
 
 <file path=ppt/slides/slide26.xml><?xml version="1.0" encoding="utf-8"?>
-<p:sld xmlns:a="http://schemas.openxmlformats.org/drawingml/2006/main" xmlns:p="http://schemas.openxmlformats.org/presentationml/2006/main" xmlns:r="http://schemas.openxmlformats.org/officeDocument/2006/relationships">
+<p:sld xmlns:a="http://schemas.openxmlformats.org/drawingml/2006/main" xmlns:r="http://schemas.openxmlformats.org/officeDocument/2006/relationships" xmlns:p="http://schemas.openxmlformats.org/presentationml/2006/main">
   <p:cSld>
     <p:bg>
       <p:bgPr>
@@ -9760,7 +9927,14 @@
         <p:cNvGrpSpPr/>
         <p:nvPr/>
       </p:nvGrpSpPr>
-      <p:grpSpPr/>
+      <p:grpSpPr>
+        <a:xfrm>
+          <a:off x="0" y="0"/>
+          <a:ext cx="0" cy="0"/>
+          <a:chOff x="0" y="0"/>
+          <a:chExt cx="0" cy="0"/>
+        </a:xfrm>
+      </p:grpSpPr>
       <p:sp>
         <p:nvSpPr>
           <p:cNvPr id="2" name="TextBox 1"/>
@@ -9873,6 +10047,7 @@
           <a:lstStyle/>
           <a:p>
             <a:pPr algn="ctr"/>
+            <a:endParaRPr/>
           </a:p>
         </p:txBody>
       </p:sp>
@@ -10016,7 +10191,7 @@
 </file>
 
 <file path=ppt/slides/slide27.xml><?xml version="1.0" encoding="utf-8"?>
-<p:sld xmlns:a="http://schemas.openxmlformats.org/drawingml/2006/main" xmlns:p="http://schemas.openxmlformats.org/presentationml/2006/main" xmlns:r="http://schemas.openxmlformats.org/officeDocument/2006/relationships">
+<p:sld xmlns:a="http://schemas.openxmlformats.org/drawingml/2006/main" xmlns:r="http://schemas.openxmlformats.org/officeDocument/2006/relationships" xmlns:p="http://schemas.openxmlformats.org/presentationml/2006/main">
   <p:cSld>
     <p:bg>
       <p:bgPr>
@@ -10032,7 +10207,14 @@
         <p:cNvGrpSpPr/>
         <p:nvPr/>
       </p:nvGrpSpPr>
-      <p:grpSpPr/>
+      <p:grpSpPr>
+        <a:xfrm>
+          <a:off x="0" y="0"/>
+          <a:ext cx="0" cy="0"/>
+          <a:chOff x="0" y="0"/>
+          <a:chExt cx="0" cy="0"/>
+        </a:xfrm>
+      </p:grpSpPr>
       <p:sp>
         <p:nvSpPr>
           <p:cNvPr id="2" name="TextBox 1"/>
@@ -10212,7 +10394,7 @@
 </file>
 
 <file path=ppt/slides/slide28.xml><?xml version="1.0" encoding="utf-8"?>
-<p:sld xmlns:a="http://schemas.openxmlformats.org/drawingml/2006/main" xmlns:p="http://schemas.openxmlformats.org/presentationml/2006/main" xmlns:r="http://schemas.openxmlformats.org/officeDocument/2006/relationships">
+<p:sld xmlns:a="http://schemas.openxmlformats.org/drawingml/2006/main" xmlns:r="http://schemas.openxmlformats.org/officeDocument/2006/relationships" xmlns:p="http://schemas.openxmlformats.org/presentationml/2006/main">
   <p:cSld>
     <p:bg>
       <p:bgPr>
@@ -10228,7 +10410,14 @@
         <p:cNvGrpSpPr/>
         <p:nvPr/>
       </p:nvGrpSpPr>
-      <p:grpSpPr/>
+      <p:grpSpPr>
+        <a:xfrm>
+          <a:off x="0" y="0"/>
+          <a:ext cx="0" cy="0"/>
+          <a:chOff x="0" y="0"/>
+          <a:chExt cx="0" cy="0"/>
+        </a:xfrm>
+      </p:grpSpPr>
       <p:sp>
         <p:nvSpPr>
           <p:cNvPr id="2" name="TextBox 1"/>
@@ -10341,6 +10530,7 @@
           <a:lstStyle/>
           <a:p>
             <a:pPr algn="ctr"/>
+            <a:endParaRPr/>
           </a:p>
         </p:txBody>
       </p:sp>
@@ -10480,7 +10670,7 @@
 </file>
 
 <file path=ppt/slides/slide29.xml><?xml version="1.0" encoding="utf-8"?>
-<p:sld xmlns:a="http://schemas.openxmlformats.org/drawingml/2006/main" xmlns:p="http://schemas.openxmlformats.org/presentationml/2006/main" xmlns:r="http://schemas.openxmlformats.org/officeDocument/2006/relationships">
+<p:sld xmlns:a="http://schemas.openxmlformats.org/drawingml/2006/main" xmlns:r="http://schemas.openxmlformats.org/officeDocument/2006/relationships" xmlns:p="http://schemas.openxmlformats.org/presentationml/2006/main">
   <p:cSld>
     <p:bg>
       <p:bgPr>
@@ -10496,7 +10686,14 @@
         <p:cNvGrpSpPr/>
         <p:nvPr/>
       </p:nvGrpSpPr>
-      <p:grpSpPr/>
+      <p:grpSpPr>
+        <a:xfrm>
+          <a:off x="0" y="0"/>
+          <a:ext cx="0" cy="0"/>
+          <a:chOff x="0" y="0"/>
+          <a:chExt cx="0" cy="0"/>
+        </a:xfrm>
+      </p:grpSpPr>
       <p:sp>
         <p:nvSpPr>
           <p:cNvPr id="2" name="TextBox 1"/>
@@ -10609,6 +10806,7 @@
           <a:lstStyle/>
           <a:p>
             <a:pPr algn="ctr"/>
+            <a:endParaRPr/>
           </a:p>
         </p:txBody>
       </p:sp>
@@ -10741,7 +10939,7 @@
 </file>
 
 <file path=ppt/slides/slide3.xml><?xml version="1.0" encoding="utf-8"?>
-<p:sld xmlns:a="http://schemas.openxmlformats.org/drawingml/2006/main" xmlns:p="http://schemas.openxmlformats.org/presentationml/2006/main" xmlns:r="http://schemas.openxmlformats.org/officeDocument/2006/relationships">
+<p:sld xmlns:a="http://schemas.openxmlformats.org/drawingml/2006/main" xmlns:r="http://schemas.openxmlformats.org/officeDocument/2006/relationships" xmlns:p="http://schemas.openxmlformats.org/presentationml/2006/main">
   <p:cSld>
     <p:bg>
       <p:bgPr>
@@ -10757,7 +10955,14 @@
         <p:cNvGrpSpPr/>
         <p:nvPr/>
       </p:nvGrpSpPr>
-      <p:grpSpPr/>
+      <p:grpSpPr>
+        <a:xfrm>
+          <a:off x="0" y="0"/>
+          <a:ext cx="0" cy="0"/>
+          <a:chOff x="0" y="0"/>
+          <a:chExt cx="0" cy="0"/>
+        </a:xfrm>
+      </p:grpSpPr>
       <p:sp>
         <p:nvSpPr>
           <p:cNvPr id="2" name="TextBox 1"/>
@@ -10875,7 +11080,7 @@
 </file>
 
 <file path=ppt/slides/slide30.xml><?xml version="1.0" encoding="utf-8"?>
-<p:sld xmlns:a="http://schemas.openxmlformats.org/drawingml/2006/main" xmlns:p="http://schemas.openxmlformats.org/presentationml/2006/main" xmlns:r="http://schemas.openxmlformats.org/officeDocument/2006/relationships">
+<p:sld xmlns:a="http://schemas.openxmlformats.org/drawingml/2006/main" xmlns:r="http://schemas.openxmlformats.org/officeDocument/2006/relationships" xmlns:p="http://schemas.openxmlformats.org/presentationml/2006/main">
   <p:cSld>
     <p:bg>
       <p:bgPr>
@@ -10891,7 +11096,14 @@
         <p:cNvGrpSpPr/>
         <p:nvPr/>
       </p:nvGrpSpPr>
-      <p:grpSpPr/>
+      <p:grpSpPr>
+        <a:xfrm>
+          <a:off x="0" y="0"/>
+          <a:ext cx="0" cy="0"/>
+          <a:chOff x="0" y="0"/>
+          <a:chExt cx="0" cy="0"/>
+        </a:xfrm>
+      </p:grpSpPr>
       <p:sp>
         <p:nvSpPr>
           <p:cNvPr id="2" name="TextBox 1"/>
@@ -11004,6 +11216,7 @@
           <a:lstStyle/>
           <a:p>
             <a:pPr algn="ctr"/>
+            <a:endParaRPr/>
           </a:p>
         </p:txBody>
       </p:sp>
@@ -11145,7 +11358,7 @@
 </file>
 
 <file path=ppt/slides/slide31.xml><?xml version="1.0" encoding="utf-8"?>
-<p:sld xmlns:a="http://schemas.openxmlformats.org/drawingml/2006/main" xmlns:p="http://schemas.openxmlformats.org/presentationml/2006/main" xmlns:r="http://schemas.openxmlformats.org/officeDocument/2006/relationships">
+<p:sld xmlns:a="http://schemas.openxmlformats.org/drawingml/2006/main" xmlns:r="http://schemas.openxmlformats.org/officeDocument/2006/relationships" xmlns:p="http://schemas.openxmlformats.org/presentationml/2006/main">
   <p:cSld>
     <p:bg>
       <p:bgPr>
@@ -11161,7 +11374,14 @@
         <p:cNvGrpSpPr/>
         <p:nvPr/>
       </p:nvGrpSpPr>
-      <p:grpSpPr/>
+      <p:grpSpPr>
+        <a:xfrm>
+          <a:off x="0" y="0"/>
+          <a:ext cx="0" cy="0"/>
+          <a:chOff x="0" y="0"/>
+          <a:chExt cx="0" cy="0"/>
+        </a:xfrm>
+      </p:grpSpPr>
       <p:sp>
         <p:nvSpPr>
           <p:cNvPr id="2" name="TextBox 1"/>
@@ -11310,6 +11530,7 @@
           <a:lstStyle/>
           <a:p>
             <a:pPr algn="ctr"/>
+            <a:endParaRPr/>
           </a:p>
         </p:txBody>
       </p:sp>
@@ -11353,6 +11574,7 @@
           <a:lstStyle/>
           <a:p>
             <a:pPr algn="ctr"/>
+            <a:endParaRPr/>
           </a:p>
         </p:txBody>
       </p:sp>
@@ -11396,6 +11618,7 @@
           <a:lstStyle/>
           <a:p>
             <a:pPr algn="ctr"/>
+            <a:endParaRPr/>
           </a:p>
         </p:txBody>
       </p:sp>
@@ -11439,6 +11662,7 @@
           <a:lstStyle/>
           <a:p>
             <a:pPr algn="ctr"/>
+            <a:endParaRPr/>
           </a:p>
         </p:txBody>
       </p:sp>
@@ -11451,7 +11675,7 @@
 </file>
 
 <file path=ppt/slides/slide32.xml><?xml version="1.0" encoding="utf-8"?>
-<p:sld xmlns:a="http://schemas.openxmlformats.org/drawingml/2006/main" xmlns:p="http://schemas.openxmlformats.org/presentationml/2006/main" xmlns:r="http://schemas.openxmlformats.org/officeDocument/2006/relationships">
+<p:sld xmlns:a="http://schemas.openxmlformats.org/drawingml/2006/main" xmlns:r="http://schemas.openxmlformats.org/officeDocument/2006/relationships" xmlns:p="http://schemas.openxmlformats.org/presentationml/2006/main">
   <p:cSld>
     <p:bg>
       <p:bgPr>
@@ -11467,7 +11691,14 @@
         <p:cNvGrpSpPr/>
         <p:nvPr/>
       </p:nvGrpSpPr>
-      <p:grpSpPr/>
+      <p:grpSpPr>
+        <a:xfrm>
+          <a:off x="0" y="0"/>
+          <a:ext cx="0" cy="0"/>
+          <a:chOff x="0" y="0"/>
+          <a:chExt cx="0" cy="0"/>
+        </a:xfrm>
+      </p:grpSpPr>
       <p:sp>
         <p:nvSpPr>
           <p:cNvPr id="2" name="TextBox 1"/>
@@ -11647,7 +11878,7 @@
 </file>
 
 <file path=ppt/slides/slide33.xml><?xml version="1.0" encoding="utf-8"?>
-<p:sld xmlns:a="http://schemas.openxmlformats.org/drawingml/2006/main" xmlns:p="http://schemas.openxmlformats.org/presentationml/2006/main" xmlns:r="http://schemas.openxmlformats.org/officeDocument/2006/relationships">
+<p:sld xmlns:a="http://schemas.openxmlformats.org/drawingml/2006/main" xmlns:r="http://schemas.openxmlformats.org/officeDocument/2006/relationships" xmlns:p="http://schemas.openxmlformats.org/presentationml/2006/main">
   <p:cSld>
     <p:bg>
       <p:bgPr>
@@ -11663,7 +11894,14 @@
         <p:cNvGrpSpPr/>
         <p:nvPr/>
       </p:nvGrpSpPr>
-      <p:grpSpPr/>
+      <p:grpSpPr>
+        <a:xfrm>
+          <a:off x="0" y="0"/>
+          <a:ext cx="0" cy="0"/>
+          <a:chOff x="0" y="0"/>
+          <a:chExt cx="0" cy="0"/>
+        </a:xfrm>
+      </p:grpSpPr>
       <p:sp>
         <p:nvSpPr>
           <p:cNvPr id="2" name="TextBox 1"/>
@@ -11776,6 +12014,7 @@
           <a:lstStyle/>
           <a:p>
             <a:pPr algn="ctr"/>
+            <a:endParaRPr/>
           </a:p>
         </p:txBody>
       </p:sp>
@@ -11904,7 +12143,7 @@
 </file>
 
 <file path=ppt/slides/slide34.xml><?xml version="1.0" encoding="utf-8"?>
-<p:sld xmlns:a="http://schemas.openxmlformats.org/drawingml/2006/main" xmlns:p="http://schemas.openxmlformats.org/presentationml/2006/main" xmlns:r="http://schemas.openxmlformats.org/officeDocument/2006/relationships">
+<p:sld xmlns:a="http://schemas.openxmlformats.org/drawingml/2006/main" xmlns:r="http://schemas.openxmlformats.org/officeDocument/2006/relationships" xmlns:p="http://schemas.openxmlformats.org/presentationml/2006/main">
   <p:cSld>
     <p:bg>
       <p:bgPr>
@@ -11920,7 +12159,14 @@
         <p:cNvGrpSpPr/>
         <p:nvPr/>
       </p:nvGrpSpPr>
-      <p:grpSpPr/>
+      <p:grpSpPr>
+        <a:xfrm>
+          <a:off x="0" y="0"/>
+          <a:ext cx="0" cy="0"/>
+          <a:chOff x="0" y="0"/>
+          <a:chExt cx="0" cy="0"/>
+        </a:xfrm>
+      </p:grpSpPr>
       <p:sp>
         <p:nvSpPr>
           <p:cNvPr id="2" name="TextBox 1"/>
@@ -12033,6 +12279,7 @@
           <a:lstStyle/>
           <a:p>
             <a:pPr algn="ctr"/>
+            <a:endParaRPr/>
           </a:p>
         </p:txBody>
       </p:sp>
@@ -12162,7 +12409,7 @@
 </file>
 
 <file path=ppt/slides/slide35.xml><?xml version="1.0" encoding="utf-8"?>
-<p:sld xmlns:a="http://schemas.openxmlformats.org/drawingml/2006/main" xmlns:p="http://schemas.openxmlformats.org/presentationml/2006/main" xmlns:r="http://schemas.openxmlformats.org/officeDocument/2006/relationships">
+<p:sld xmlns:a="http://schemas.openxmlformats.org/drawingml/2006/main" xmlns:r="http://schemas.openxmlformats.org/officeDocument/2006/relationships" xmlns:p="http://schemas.openxmlformats.org/presentationml/2006/main">
   <p:cSld>
     <p:bg>
       <p:bgPr>
@@ -12178,7 +12425,14 @@
         <p:cNvGrpSpPr/>
         <p:nvPr/>
       </p:nvGrpSpPr>
-      <p:grpSpPr/>
+      <p:grpSpPr>
+        <a:xfrm>
+          <a:off x="0" y="0"/>
+          <a:ext cx="0" cy="0"/>
+          <a:chOff x="0" y="0"/>
+          <a:chExt cx="0" cy="0"/>
+        </a:xfrm>
+      </p:grpSpPr>
       <p:sp>
         <p:nvSpPr>
           <p:cNvPr id="2" name="TextBox 1"/>
@@ -12291,6 +12545,7 @@
           <a:lstStyle/>
           <a:p>
             <a:pPr algn="ctr"/>
+            <a:endParaRPr/>
           </a:p>
         </p:txBody>
       </p:sp>
@@ -12409,7 +12664,7 @@
 </file>
 
 <file path=ppt/slides/slide36.xml><?xml version="1.0" encoding="utf-8"?>
-<p:sld xmlns:a="http://schemas.openxmlformats.org/drawingml/2006/main" xmlns:p="http://schemas.openxmlformats.org/presentationml/2006/main" xmlns:r="http://schemas.openxmlformats.org/officeDocument/2006/relationships">
+<p:sld xmlns:a="http://schemas.openxmlformats.org/drawingml/2006/main" xmlns:r="http://schemas.openxmlformats.org/officeDocument/2006/relationships" xmlns:p="http://schemas.openxmlformats.org/presentationml/2006/main">
   <p:cSld>
     <p:bg>
       <p:bgPr>
@@ -12425,7 +12680,14 @@
         <p:cNvGrpSpPr/>
         <p:nvPr/>
       </p:nvGrpSpPr>
-      <p:grpSpPr/>
+      <p:grpSpPr>
+        <a:xfrm>
+          <a:off x="0" y="0"/>
+          <a:ext cx="0" cy="0"/>
+          <a:chOff x="0" y="0"/>
+          <a:chExt cx="0" cy="0"/>
+        </a:xfrm>
+      </p:grpSpPr>
       <p:sp>
         <p:nvSpPr>
           <p:cNvPr id="2" name="TextBox 1"/>
@@ -12620,7 +12882,7 @@
 </file>
 
 <file path=ppt/slides/slide37.xml><?xml version="1.0" encoding="utf-8"?>
-<p:sld xmlns:a="http://schemas.openxmlformats.org/drawingml/2006/main" xmlns:p="http://schemas.openxmlformats.org/presentationml/2006/main" xmlns:r="http://schemas.openxmlformats.org/officeDocument/2006/relationships">
+<p:sld xmlns:a="http://schemas.openxmlformats.org/drawingml/2006/main" xmlns:r="http://schemas.openxmlformats.org/officeDocument/2006/relationships" xmlns:p="http://schemas.openxmlformats.org/presentationml/2006/main">
   <p:cSld>
     <p:bg>
       <p:bgPr>
@@ -12636,7 +12898,14 @@
         <p:cNvGrpSpPr/>
         <p:nvPr/>
       </p:nvGrpSpPr>
-      <p:grpSpPr/>
+      <p:grpSpPr>
+        <a:xfrm>
+          <a:off x="0" y="0"/>
+          <a:ext cx="0" cy="0"/>
+          <a:chOff x="0" y="0"/>
+          <a:chExt cx="0" cy="0"/>
+        </a:xfrm>
+      </p:grpSpPr>
       <p:sp>
         <p:nvSpPr>
           <p:cNvPr id="2" name="TextBox 1"/>
@@ -12749,6 +13018,7 @@
           <a:lstStyle/>
           <a:p>
             <a:pPr algn="ctr"/>
+            <a:endParaRPr/>
           </a:p>
         </p:txBody>
       </p:sp>
@@ -12870,7 +13140,7 @@
 </file>
 
 <file path=ppt/slides/slide38.xml><?xml version="1.0" encoding="utf-8"?>
-<p:sld xmlns:a="http://schemas.openxmlformats.org/drawingml/2006/main" xmlns:p="http://schemas.openxmlformats.org/presentationml/2006/main" xmlns:r="http://schemas.openxmlformats.org/officeDocument/2006/relationships">
+<p:sld xmlns:a="http://schemas.openxmlformats.org/drawingml/2006/main" xmlns:r="http://schemas.openxmlformats.org/officeDocument/2006/relationships" xmlns:p="http://schemas.openxmlformats.org/presentationml/2006/main">
   <p:cSld>
     <p:bg>
       <p:bgPr>
@@ -12886,7 +13156,14 @@
         <p:cNvGrpSpPr/>
         <p:nvPr/>
       </p:nvGrpSpPr>
-      <p:grpSpPr/>
+      <p:grpSpPr>
+        <a:xfrm>
+          <a:off x="0" y="0"/>
+          <a:ext cx="0" cy="0"/>
+          <a:chOff x="0" y="0"/>
+          <a:chExt cx="0" cy="0"/>
+        </a:xfrm>
+      </p:grpSpPr>
       <p:sp>
         <p:nvSpPr>
           <p:cNvPr id="2" name="TextBox 1"/>
@@ -12999,6 +13276,7 @@
           <a:lstStyle/>
           <a:p>
             <a:pPr algn="ctr"/>
+            <a:endParaRPr/>
           </a:p>
         </p:txBody>
       </p:sp>
@@ -13176,6 +13454,7 @@
           <a:lstStyle/>
           <a:p>
             <a:pPr algn="ctr"/>
+            <a:endParaRPr/>
           </a:p>
         </p:txBody>
       </p:sp>
@@ -13322,7 +13601,7 @@
 </file>
 
 <file path=ppt/slides/slide39.xml><?xml version="1.0" encoding="utf-8"?>
-<p:sld xmlns:a="http://schemas.openxmlformats.org/drawingml/2006/main" xmlns:p="http://schemas.openxmlformats.org/presentationml/2006/main" xmlns:r="http://schemas.openxmlformats.org/officeDocument/2006/relationships">
+<p:sld xmlns:a="http://schemas.openxmlformats.org/drawingml/2006/main" xmlns:r="http://schemas.openxmlformats.org/officeDocument/2006/relationships" xmlns:p="http://schemas.openxmlformats.org/presentationml/2006/main">
   <p:cSld>
     <p:bg>
       <p:bgPr>
@@ -13338,7 +13617,14 @@
         <p:cNvGrpSpPr/>
         <p:nvPr/>
       </p:nvGrpSpPr>
-      <p:grpSpPr/>
+      <p:grpSpPr>
+        <a:xfrm>
+          <a:off x="0" y="0"/>
+          <a:ext cx="0" cy="0"/>
+          <a:chOff x="0" y="0"/>
+          <a:chExt cx="0" cy="0"/>
+        </a:xfrm>
+      </p:grpSpPr>
       <p:sp>
         <p:nvSpPr>
           <p:cNvPr id="2" name="TextBox 1"/>
@@ -13451,6 +13737,7 @@
           <a:lstStyle/>
           <a:p>
             <a:pPr algn="ctr"/>
+            <a:endParaRPr/>
           </a:p>
         </p:txBody>
       </p:sp>
@@ -13571,7 +13858,7 @@
 </file>
 
 <file path=ppt/slides/slide4.xml><?xml version="1.0" encoding="utf-8"?>
-<p:sld xmlns:a="http://schemas.openxmlformats.org/drawingml/2006/main" xmlns:p="http://schemas.openxmlformats.org/presentationml/2006/main" xmlns:r="http://schemas.openxmlformats.org/officeDocument/2006/relationships">
+<p:sld xmlns:a="http://schemas.openxmlformats.org/drawingml/2006/main" xmlns:r="http://schemas.openxmlformats.org/officeDocument/2006/relationships" xmlns:p="http://schemas.openxmlformats.org/presentationml/2006/main">
   <p:cSld>
     <p:bg>
       <p:bgPr>
@@ -13587,7 +13874,14 @@
         <p:cNvGrpSpPr/>
         <p:nvPr/>
       </p:nvGrpSpPr>
-      <p:grpSpPr/>
+      <p:grpSpPr>
+        <a:xfrm>
+          <a:off x="0" y="0"/>
+          <a:ext cx="0" cy="0"/>
+          <a:chOff x="0" y="0"/>
+          <a:chExt cx="0" cy="0"/>
+        </a:xfrm>
+      </p:grpSpPr>
       <p:sp>
         <p:nvSpPr>
           <p:cNvPr id="2" name="TextBox 1"/>
@@ -13736,6 +14030,7 @@
           <a:lstStyle/>
           <a:p>
             <a:pPr algn="ctr"/>
+            <a:endParaRPr/>
           </a:p>
         </p:txBody>
       </p:sp>
@@ -13779,6 +14074,7 @@
           <a:lstStyle/>
           <a:p>
             <a:pPr algn="ctr"/>
+            <a:endParaRPr/>
           </a:p>
         </p:txBody>
       </p:sp>
@@ -13822,6 +14118,7 @@
           <a:lstStyle/>
           <a:p>
             <a:pPr algn="ctr"/>
+            <a:endParaRPr/>
           </a:p>
         </p:txBody>
       </p:sp>
@@ -13865,6 +14162,7 @@
           <a:lstStyle/>
           <a:p>
             <a:pPr algn="ctr"/>
+            <a:endParaRPr/>
           </a:p>
         </p:txBody>
       </p:sp>
@@ -13877,7 +14175,7 @@
 </file>
 
 <file path=ppt/slides/slide40.xml><?xml version="1.0" encoding="utf-8"?>
-<p:sld xmlns:a="http://schemas.openxmlformats.org/drawingml/2006/main" xmlns:p="http://schemas.openxmlformats.org/presentationml/2006/main" xmlns:r="http://schemas.openxmlformats.org/officeDocument/2006/relationships">
+<p:sld xmlns:a="http://schemas.openxmlformats.org/drawingml/2006/main" xmlns:r="http://schemas.openxmlformats.org/officeDocument/2006/relationships" xmlns:p="http://schemas.openxmlformats.org/presentationml/2006/main">
   <p:cSld>
     <p:bg>
       <p:bgPr>
@@ -13893,7 +14191,14 @@
         <p:cNvGrpSpPr/>
         <p:nvPr/>
       </p:nvGrpSpPr>
-      <p:grpSpPr/>
+      <p:grpSpPr>
+        <a:xfrm>
+          <a:off x="0" y="0"/>
+          <a:ext cx="0" cy="0"/>
+          <a:chOff x="0" y="0"/>
+          <a:chExt cx="0" cy="0"/>
+        </a:xfrm>
+      </p:grpSpPr>
       <p:sp>
         <p:nvSpPr>
           <p:cNvPr id="2" name="TextBox 1"/>
@@ -13970,6 +14275,7 @@
           <a:lstStyle/>
           <a:p>
             <a:pPr algn="ctr"/>
+            <a:endParaRPr/>
           </a:p>
         </p:txBody>
       </p:sp>
@@ -14085,6 +14391,7 @@
           <a:lstStyle/>
           <a:p>
             <a:pPr algn="ctr"/>
+            <a:endParaRPr/>
           </a:p>
         </p:txBody>
       </p:sp>
@@ -14200,6 +14507,7 @@
           <a:lstStyle/>
           <a:p>
             <a:pPr algn="ctr"/>
+            <a:endParaRPr/>
           </a:p>
         </p:txBody>
       </p:sp>
@@ -14315,6 +14623,7 @@
           <a:lstStyle/>
           <a:p>
             <a:pPr algn="ctr"/>
+            <a:endParaRPr/>
           </a:p>
         </p:txBody>
       </p:sp>
@@ -14399,7 +14708,7 @@
 </file>
 
 <file path=ppt/slides/slide41.xml><?xml version="1.0" encoding="utf-8"?>
-<p:sld xmlns:a="http://schemas.openxmlformats.org/drawingml/2006/main" xmlns:p="http://schemas.openxmlformats.org/presentationml/2006/main" xmlns:r="http://schemas.openxmlformats.org/officeDocument/2006/relationships">
+<p:sld xmlns:a="http://schemas.openxmlformats.org/drawingml/2006/main" xmlns:r="http://schemas.openxmlformats.org/officeDocument/2006/relationships" xmlns:p="http://schemas.openxmlformats.org/presentationml/2006/main">
   <p:cSld>
     <p:bg>
       <p:bgPr>
@@ -14415,7 +14724,14 @@
         <p:cNvGrpSpPr/>
         <p:nvPr/>
       </p:nvGrpSpPr>
-      <p:grpSpPr/>
+      <p:grpSpPr>
+        <a:xfrm>
+          <a:off x="0" y="0"/>
+          <a:ext cx="0" cy="0"/>
+          <a:chOff x="0" y="0"/>
+          <a:chExt cx="0" cy="0"/>
+        </a:xfrm>
+      </p:grpSpPr>
       <p:sp>
         <p:nvSpPr>
           <p:cNvPr id="2" name="TextBox 1"/>
@@ -14492,6 +14808,7 @@
           <a:lstStyle/>
           <a:p>
             <a:pPr algn="ctr"/>
+            <a:endParaRPr/>
           </a:p>
         </p:txBody>
       </p:sp>
@@ -14669,6 +14986,7 @@
           <a:lstStyle/>
           <a:p>
             <a:pPr algn="ctr"/>
+            <a:endParaRPr/>
           </a:p>
         </p:txBody>
       </p:sp>
@@ -14815,7 +15133,7 @@
 </file>
 
 <file path=ppt/slides/slide42.xml><?xml version="1.0" encoding="utf-8"?>
-<p:sld xmlns:a="http://schemas.openxmlformats.org/drawingml/2006/main" xmlns:p="http://schemas.openxmlformats.org/presentationml/2006/main" xmlns:r="http://schemas.openxmlformats.org/officeDocument/2006/relationships">
+<p:sld xmlns:a="http://schemas.openxmlformats.org/drawingml/2006/main" xmlns:r="http://schemas.openxmlformats.org/officeDocument/2006/relationships" xmlns:p="http://schemas.openxmlformats.org/presentationml/2006/main">
   <p:cSld>
     <p:bg>
       <p:bgPr>
@@ -14831,7 +15149,14 @@
         <p:cNvGrpSpPr/>
         <p:nvPr/>
       </p:nvGrpSpPr>
-      <p:grpSpPr/>
+      <p:grpSpPr>
+        <a:xfrm>
+          <a:off x="0" y="0"/>
+          <a:ext cx="0" cy="0"/>
+          <a:chOff x="0" y="0"/>
+          <a:chExt cx="0" cy="0"/>
+        </a:xfrm>
+      </p:grpSpPr>
       <p:sp>
         <p:nvSpPr>
           <p:cNvPr id="2" name="Rectangle 1"/>
@@ -14872,6 +15197,7 @@
           <a:lstStyle/>
           <a:p>
             <a:pPr algn="ctr"/>
+            <a:endParaRPr/>
           </a:p>
         </p:txBody>
       </p:sp>
@@ -14920,7 +15246,7 @@
         <p:spPr>
           <a:xfrm>
             <a:off x="457200" y="2651760"/>
-            <a:ext cx="8229600" cy="548640"/>
+            <a:ext cx="8229600" cy="430887"/>
           </a:xfrm>
           <a:prstGeom prst="rect">
             <a:avLst/>
@@ -14942,7 +15268,16 @@
               </a:defRPr>
             </a:pPr>
             <a:r>
-              <a:t>Now go build AI systems that actually remember 🧠</a:t>
+              <a:rPr dirty="0"/>
+              <a:t>Now go build AI systems that actually remember</a:t>
+            </a:r>
+            <a:r>
+              <a:rPr lang="en-US" dirty="0"/>
+              <a:t>.</a:t>
+            </a:r>
+            <a:r>
+              <a:rPr dirty="0"/>
+              <a:t> 🧠</a:t>
             </a:r>
           </a:p>
         </p:txBody>
@@ -14987,6 +15322,7 @@
           <a:lstStyle/>
           <a:p>
             <a:pPr algn="ctr"/>
+            <a:endParaRPr/>
           </a:p>
         </p:txBody>
       </p:sp>
@@ -14999,7 +15335,7 @@
         <p:spPr>
           <a:xfrm>
             <a:off x="457200" y="3931920"/>
-            <a:ext cx="8229600" cy="365760"/>
+            <a:ext cx="8229600" cy="307777"/>
           </a:xfrm>
           <a:prstGeom prst="rect">
             <a:avLst/>
@@ -15021,7 +15357,16 @@
               </a:defRPr>
             </a:pPr>
             <a:r>
-              <a:t>Tim Warner | @TechTrainerTim | timothywarner.com</a:t>
+              <a:rPr dirty="0"/>
+              <a:t>Tim Warner  | </a:t>
+            </a:r>
+            <a:r>
+              <a:rPr lang="en-US" dirty="0"/>
+              <a:t>TechTrainerTim</a:t>
+            </a:r>
+            <a:r>
+              <a:rPr dirty="0"/>
+              <a:t>.com</a:t>
             </a:r>
           </a:p>
         </p:txBody>
@@ -15035,7 +15380,7 @@
 </file>
 
 <file path=ppt/slides/slide5.xml><?xml version="1.0" encoding="utf-8"?>
-<p:sld xmlns:a="http://schemas.openxmlformats.org/drawingml/2006/main" xmlns:p="http://schemas.openxmlformats.org/presentationml/2006/main" xmlns:r="http://schemas.openxmlformats.org/officeDocument/2006/relationships">
+<p:sld xmlns:a="http://schemas.openxmlformats.org/drawingml/2006/main" xmlns:r="http://schemas.openxmlformats.org/officeDocument/2006/relationships" xmlns:p="http://schemas.openxmlformats.org/presentationml/2006/main">
   <p:cSld>
     <p:bg>
       <p:bgPr>
@@ -15051,7 +15396,14 @@
         <p:cNvGrpSpPr/>
         <p:nvPr/>
       </p:nvGrpSpPr>
-      <p:grpSpPr/>
+      <p:grpSpPr>
+        <a:xfrm>
+          <a:off x="0" y="0"/>
+          <a:ext cx="0" cy="0"/>
+          <a:chOff x="0" y="0"/>
+          <a:chExt cx="0" cy="0"/>
+        </a:xfrm>
+      </p:grpSpPr>
       <p:sp>
         <p:nvSpPr>
           <p:cNvPr id="2" name="TextBox 1"/>
@@ -15231,7 +15583,7 @@
 </file>
 
 <file path=ppt/slides/slide6.xml><?xml version="1.0" encoding="utf-8"?>
-<p:sld xmlns:a="http://schemas.openxmlformats.org/drawingml/2006/main" xmlns:p="http://schemas.openxmlformats.org/presentationml/2006/main" xmlns:r="http://schemas.openxmlformats.org/officeDocument/2006/relationships">
+<p:sld xmlns:a="http://schemas.openxmlformats.org/drawingml/2006/main" xmlns:r="http://schemas.openxmlformats.org/officeDocument/2006/relationships" xmlns:p="http://schemas.openxmlformats.org/presentationml/2006/main">
   <p:cSld>
     <p:bg>
       <p:bgPr>
@@ -15247,7 +15599,14 @@
         <p:cNvGrpSpPr/>
         <p:nvPr/>
       </p:nvGrpSpPr>
-      <p:grpSpPr/>
+      <p:grpSpPr>
+        <a:xfrm>
+          <a:off x="0" y="0"/>
+          <a:ext cx="0" cy="0"/>
+          <a:chOff x="0" y="0"/>
+          <a:chExt cx="0" cy="0"/>
+        </a:xfrm>
+      </p:grpSpPr>
       <p:sp>
         <p:nvSpPr>
           <p:cNvPr id="2" name="TextBox 1"/>
@@ -15360,6 +15719,7 @@
           <a:lstStyle/>
           <a:p>
             <a:pPr algn="ctr"/>
+            <a:endParaRPr/>
           </a:p>
         </p:txBody>
       </p:sp>
@@ -15479,6 +15839,7 @@
           <a:lstStyle/>
           <a:p>
             <a:pPr algn="ctr"/>
+            <a:endParaRPr/>
           </a:p>
         </p:txBody>
       </p:sp>
@@ -15598,6 +15959,7 @@
           <a:lstStyle/>
           <a:p>
             <a:pPr algn="ctr"/>
+            <a:endParaRPr/>
           </a:p>
         </p:txBody>
       </p:sp>
@@ -15717,6 +16079,7 @@
           <a:lstStyle/>
           <a:p>
             <a:pPr algn="ctr"/>
+            <a:endParaRPr/>
           </a:p>
         </p:txBody>
       </p:sp>
@@ -15805,7 +16168,7 @@
 </file>
 
 <file path=ppt/slides/slide7.xml><?xml version="1.0" encoding="utf-8"?>
-<p:sld xmlns:a="http://schemas.openxmlformats.org/drawingml/2006/main" xmlns:p="http://schemas.openxmlformats.org/presentationml/2006/main" xmlns:r="http://schemas.openxmlformats.org/officeDocument/2006/relationships">
+<p:sld xmlns:a="http://schemas.openxmlformats.org/drawingml/2006/main" xmlns:r="http://schemas.openxmlformats.org/officeDocument/2006/relationships" xmlns:p="http://schemas.openxmlformats.org/presentationml/2006/main">
   <p:cSld>
     <p:bg>
       <p:bgPr>
@@ -15821,7 +16184,14 @@
         <p:cNvGrpSpPr/>
         <p:nvPr/>
       </p:nvGrpSpPr>
-      <p:grpSpPr/>
+      <p:grpSpPr>
+        <a:xfrm>
+          <a:off x="0" y="0"/>
+          <a:ext cx="0" cy="0"/>
+          <a:chOff x="0" y="0"/>
+          <a:chExt cx="0" cy="0"/>
+        </a:xfrm>
+      </p:grpSpPr>
       <p:sp>
         <p:nvSpPr>
           <p:cNvPr id="2" name="TextBox 1"/>
@@ -15934,6 +16304,7 @@
           <a:lstStyle/>
           <a:p>
             <a:pPr algn="ctr"/>
+            <a:endParaRPr/>
           </a:p>
         </p:txBody>
       </p:sp>
@@ -16033,7 +16404,7 @@
 </file>
 
 <file path=ppt/slides/slide8.xml><?xml version="1.0" encoding="utf-8"?>
-<p:sld xmlns:a="http://schemas.openxmlformats.org/drawingml/2006/main" xmlns:p="http://schemas.openxmlformats.org/presentationml/2006/main" xmlns:r="http://schemas.openxmlformats.org/officeDocument/2006/relationships">
+<p:sld xmlns:a="http://schemas.openxmlformats.org/drawingml/2006/main" xmlns:r="http://schemas.openxmlformats.org/officeDocument/2006/relationships" xmlns:p="http://schemas.openxmlformats.org/presentationml/2006/main">
   <p:cSld>
     <p:bg>
       <p:bgPr>
@@ -16049,7 +16420,14 @@
         <p:cNvGrpSpPr/>
         <p:nvPr/>
       </p:nvGrpSpPr>
-      <p:grpSpPr/>
+      <p:grpSpPr>
+        <a:xfrm>
+          <a:off x="0" y="0"/>
+          <a:ext cx="0" cy="0"/>
+          <a:chOff x="0" y="0"/>
+          <a:chExt cx="0" cy="0"/>
+        </a:xfrm>
+      </p:grpSpPr>
       <p:sp>
         <p:nvSpPr>
           <p:cNvPr id="2" name="TextBox 1"/>
@@ -16162,6 +16540,7 @@
           <a:lstStyle/>
           <a:p>
             <a:pPr algn="ctr"/>
+            <a:endParaRPr/>
           </a:p>
         </p:txBody>
       </p:sp>
@@ -16324,6 +16703,7 @@
           <a:lstStyle/>
           <a:p>
             <a:pPr algn="ctr"/>
+            <a:endParaRPr/>
           </a:p>
         </p:txBody>
       </p:sp>
@@ -16455,7 +16835,7 @@
 </file>
 
 <file path=ppt/slides/slide9.xml><?xml version="1.0" encoding="utf-8"?>
-<p:sld xmlns:a="http://schemas.openxmlformats.org/drawingml/2006/main" xmlns:p="http://schemas.openxmlformats.org/presentationml/2006/main" xmlns:r="http://schemas.openxmlformats.org/officeDocument/2006/relationships">
+<p:sld xmlns:a="http://schemas.openxmlformats.org/drawingml/2006/main" xmlns:r="http://schemas.openxmlformats.org/officeDocument/2006/relationships" xmlns:p="http://schemas.openxmlformats.org/presentationml/2006/main">
   <p:cSld>
     <p:bg>
       <p:bgPr>
@@ -16471,7 +16851,14 @@
         <p:cNvGrpSpPr/>
         <p:nvPr/>
       </p:nvGrpSpPr>
-      <p:grpSpPr/>
+      <p:grpSpPr>
+        <a:xfrm>
+          <a:off x="0" y="0"/>
+          <a:ext cx="0" cy="0"/>
+          <a:chOff x="0" y="0"/>
+          <a:chExt cx="0" cy="0"/>
+        </a:xfrm>
+      </p:grpSpPr>
       <p:sp>
         <p:nvSpPr>
           <p:cNvPr id="2" name="TextBox 1"/>
